--- a/img/methods.pptx
+++ b/img/methods.pptx
@@ -105,13 +105,18 @@
       </a:defRPr>
     </a:lvl9pPr>
   </p:defaultTextStyle>
+  <p:extLst>
+    <p:ext uri="{EFAFB233-063F-42B5-8137-9DF3F51BA10A}">
+      <p15:sldGuideLst xmlns:p15="http://schemas.microsoft.com/office/powerpoint/2012/main"/>
+    </p:ext>
+  </p:extLst>
 </p:presentation>
 </file>
 
 <file path=ppt/revisionInfo.xml><?xml version="1.0" encoding="utf-8"?>
 <p1510:revInfo xmlns:a="http://schemas.openxmlformats.org/drawingml/2006/main" xmlns:r="http://schemas.openxmlformats.org/officeDocument/2006/relationships" xmlns:p1510="http://schemas.microsoft.com/office/powerpoint/2015/10/main">
   <p1510:revLst>
-    <p1510:client id="{6B8877FE-AF44-4210-82EF-225C89579D75}" v="540" dt="2024-10-01T06:35:01.854"/>
+    <p1510:client id="{6B8877FE-AF44-4210-82EF-225C89579D75}" v="555" dt="2024-10-01T07:06:20.783"/>
   </p1510:revLst>
 </p1510:revInfo>
 </file>
@@ -121,12 +126,12 @@
   <pc:docChgLst>
     <pc:chgData name="Bo Tang" userId="332dbdf67b1791cd" providerId="LiveId" clId="{6B8877FE-AF44-4210-82EF-225C89579D75}"/>
     <pc:docChg chg="undo custSel addSld modSld modMainMaster">
-      <pc:chgData name="Bo Tang" userId="332dbdf67b1791cd" providerId="LiveId" clId="{6B8877FE-AF44-4210-82EF-225C89579D75}" dt="2024-10-01T06:35:22.834" v="1019" actId="1035"/>
+      <pc:chgData name="Bo Tang" userId="332dbdf67b1791cd" providerId="LiveId" clId="{6B8877FE-AF44-4210-82EF-225C89579D75}" dt="2024-10-01T07:06:20.782" v="1040" actId="20577"/>
       <pc:docMkLst>
         <pc:docMk/>
       </pc:docMkLst>
       <pc:sldChg chg="addSp delSp modSp new mod">
-        <pc:chgData name="Bo Tang" userId="332dbdf67b1791cd" providerId="LiveId" clId="{6B8877FE-AF44-4210-82EF-225C89579D75}" dt="2024-10-01T06:35:22.834" v="1019" actId="1035"/>
+        <pc:chgData name="Bo Tang" userId="332dbdf67b1791cd" providerId="LiveId" clId="{6B8877FE-AF44-4210-82EF-225C89579D75}" dt="2024-10-01T07:06:11.877" v="1035" actId="1076"/>
         <pc:sldMkLst>
           <pc:docMk/>
           <pc:sldMk cId="774648753" sldId="256"/>
@@ -148,7 +153,7 @@
           </ac:spMkLst>
         </pc:spChg>
         <pc:spChg chg="add mod">
-          <ac:chgData name="Bo Tang" userId="332dbdf67b1791cd" providerId="LiveId" clId="{6B8877FE-AF44-4210-82EF-225C89579D75}" dt="2024-10-01T06:34:54.912" v="995"/>
+          <ac:chgData name="Bo Tang" userId="332dbdf67b1791cd" providerId="LiveId" clId="{6B8877FE-AF44-4210-82EF-225C89579D75}" dt="2024-10-01T07:05:54.464" v="1030" actId="20577"/>
           <ac:spMkLst>
             <pc:docMk/>
             <pc:sldMk cId="774648753" sldId="256"/>
@@ -156,7 +161,7 @@
           </ac:spMkLst>
         </pc:spChg>
         <pc:spChg chg="add mod">
-          <ac:chgData name="Bo Tang" userId="332dbdf67b1791cd" providerId="LiveId" clId="{6B8877FE-AF44-4210-82EF-225C89579D75}" dt="2024-10-01T06:34:54.912" v="995"/>
+          <ac:chgData name="Bo Tang" userId="332dbdf67b1791cd" providerId="LiveId" clId="{6B8877FE-AF44-4210-82EF-225C89579D75}" dt="2024-10-01T07:05:54.464" v="1030" actId="20577"/>
           <ac:spMkLst>
             <pc:docMk/>
             <pc:sldMk cId="774648753" sldId="256"/>
@@ -164,7 +169,7 @@
           </ac:spMkLst>
         </pc:spChg>
         <pc:spChg chg="add mod topLvl">
-          <ac:chgData name="Bo Tang" userId="332dbdf67b1791cd" providerId="LiveId" clId="{6B8877FE-AF44-4210-82EF-225C89579D75}" dt="2024-10-01T06:34:54.912" v="995"/>
+          <ac:chgData name="Bo Tang" userId="332dbdf67b1791cd" providerId="LiveId" clId="{6B8877FE-AF44-4210-82EF-225C89579D75}" dt="2024-10-01T07:05:54.464" v="1030" actId="20577"/>
           <ac:spMkLst>
             <pc:docMk/>
             <pc:sldMk cId="774648753" sldId="256"/>
@@ -188,7 +193,7 @@
           </ac:spMkLst>
         </pc:spChg>
         <pc:spChg chg="mod topLvl">
-          <ac:chgData name="Bo Tang" userId="332dbdf67b1791cd" providerId="LiveId" clId="{6B8877FE-AF44-4210-82EF-225C89579D75}" dt="2024-10-01T06:34:54.912" v="995"/>
+          <ac:chgData name="Bo Tang" userId="332dbdf67b1791cd" providerId="LiveId" clId="{6B8877FE-AF44-4210-82EF-225C89579D75}" dt="2024-10-01T07:05:54.464" v="1030" actId="20577"/>
           <ac:spMkLst>
             <pc:docMk/>
             <pc:sldMk cId="774648753" sldId="256"/>
@@ -196,7 +201,7 @@
           </ac:spMkLst>
         </pc:spChg>
         <pc:spChg chg="mod">
-          <ac:chgData name="Bo Tang" userId="332dbdf67b1791cd" providerId="LiveId" clId="{6B8877FE-AF44-4210-82EF-225C89579D75}" dt="2024-10-01T06:34:54.912" v="995"/>
+          <ac:chgData name="Bo Tang" userId="332dbdf67b1791cd" providerId="LiveId" clId="{6B8877FE-AF44-4210-82EF-225C89579D75}" dt="2024-10-01T07:05:54.464" v="1030" actId="20577"/>
           <ac:spMkLst>
             <pc:docMk/>
             <pc:sldMk cId="774648753" sldId="256"/>
@@ -204,7 +209,7 @@
           </ac:spMkLst>
         </pc:spChg>
         <pc:spChg chg="mod">
-          <ac:chgData name="Bo Tang" userId="332dbdf67b1791cd" providerId="LiveId" clId="{6B8877FE-AF44-4210-82EF-225C89579D75}" dt="2024-10-01T06:34:54.912" v="995"/>
+          <ac:chgData name="Bo Tang" userId="332dbdf67b1791cd" providerId="LiveId" clId="{6B8877FE-AF44-4210-82EF-225C89579D75}" dt="2024-10-01T07:05:54.464" v="1030" actId="20577"/>
           <ac:spMkLst>
             <pc:docMk/>
             <pc:sldMk cId="774648753" sldId="256"/>
@@ -212,7 +217,7 @@
           </ac:spMkLst>
         </pc:spChg>
         <pc:spChg chg="mod">
-          <ac:chgData name="Bo Tang" userId="332dbdf67b1791cd" providerId="LiveId" clId="{6B8877FE-AF44-4210-82EF-225C89579D75}" dt="2024-10-01T06:34:54.912" v="995"/>
+          <ac:chgData name="Bo Tang" userId="332dbdf67b1791cd" providerId="LiveId" clId="{6B8877FE-AF44-4210-82EF-225C89579D75}" dt="2024-10-01T07:05:54.464" v="1030" actId="20577"/>
           <ac:spMkLst>
             <pc:docMk/>
             <pc:sldMk cId="774648753" sldId="256"/>
@@ -220,7 +225,7 @@
           </ac:spMkLst>
         </pc:spChg>
         <pc:spChg chg="mod">
-          <ac:chgData name="Bo Tang" userId="332dbdf67b1791cd" providerId="LiveId" clId="{6B8877FE-AF44-4210-82EF-225C89579D75}" dt="2024-10-01T06:34:54.912" v="995"/>
+          <ac:chgData name="Bo Tang" userId="332dbdf67b1791cd" providerId="LiveId" clId="{6B8877FE-AF44-4210-82EF-225C89579D75}" dt="2024-10-01T07:05:54.464" v="1030" actId="20577"/>
           <ac:spMkLst>
             <pc:docMk/>
             <pc:sldMk cId="774648753" sldId="256"/>
@@ -228,7 +233,7 @@
           </ac:spMkLst>
         </pc:spChg>
         <pc:spChg chg="mod">
-          <ac:chgData name="Bo Tang" userId="332dbdf67b1791cd" providerId="LiveId" clId="{6B8877FE-AF44-4210-82EF-225C89579D75}" dt="2024-10-01T06:34:54.912" v="995"/>
+          <ac:chgData name="Bo Tang" userId="332dbdf67b1791cd" providerId="LiveId" clId="{6B8877FE-AF44-4210-82EF-225C89579D75}" dt="2024-10-01T07:05:54.464" v="1030" actId="20577"/>
           <ac:spMkLst>
             <pc:docMk/>
             <pc:sldMk cId="774648753" sldId="256"/>
@@ -236,7 +241,7 @@
           </ac:spMkLst>
         </pc:spChg>
         <pc:spChg chg="mod">
-          <ac:chgData name="Bo Tang" userId="332dbdf67b1791cd" providerId="LiveId" clId="{6B8877FE-AF44-4210-82EF-225C89579D75}" dt="2024-10-01T06:34:54.912" v="995"/>
+          <ac:chgData name="Bo Tang" userId="332dbdf67b1791cd" providerId="LiveId" clId="{6B8877FE-AF44-4210-82EF-225C89579D75}" dt="2024-10-01T07:05:54.464" v="1030" actId="20577"/>
           <ac:spMkLst>
             <pc:docMk/>
             <pc:sldMk cId="774648753" sldId="256"/>
@@ -244,7 +249,7 @@
           </ac:spMkLst>
         </pc:spChg>
         <pc:spChg chg="mod">
-          <ac:chgData name="Bo Tang" userId="332dbdf67b1791cd" providerId="LiveId" clId="{6B8877FE-AF44-4210-82EF-225C89579D75}" dt="2024-10-01T06:34:54.912" v="995"/>
+          <ac:chgData name="Bo Tang" userId="332dbdf67b1791cd" providerId="LiveId" clId="{6B8877FE-AF44-4210-82EF-225C89579D75}" dt="2024-10-01T07:05:54.464" v="1030" actId="20577"/>
           <ac:spMkLst>
             <pc:docMk/>
             <pc:sldMk cId="774648753" sldId="256"/>
@@ -252,7 +257,7 @@
           </ac:spMkLst>
         </pc:spChg>
         <pc:spChg chg="mod">
-          <ac:chgData name="Bo Tang" userId="332dbdf67b1791cd" providerId="LiveId" clId="{6B8877FE-AF44-4210-82EF-225C89579D75}" dt="2024-10-01T06:34:54.912" v="995"/>
+          <ac:chgData name="Bo Tang" userId="332dbdf67b1791cd" providerId="LiveId" clId="{6B8877FE-AF44-4210-82EF-225C89579D75}" dt="2024-10-01T07:05:54.464" v="1030" actId="20577"/>
           <ac:spMkLst>
             <pc:docMk/>
             <pc:sldMk cId="774648753" sldId="256"/>
@@ -260,7 +265,7 @@
           </ac:spMkLst>
         </pc:spChg>
         <pc:spChg chg="add mod topLvl">
-          <ac:chgData name="Bo Tang" userId="332dbdf67b1791cd" providerId="LiveId" clId="{6B8877FE-AF44-4210-82EF-225C89579D75}" dt="2024-10-01T06:34:54.912" v="995"/>
+          <ac:chgData name="Bo Tang" userId="332dbdf67b1791cd" providerId="LiveId" clId="{6B8877FE-AF44-4210-82EF-225C89579D75}" dt="2024-10-01T07:05:54.464" v="1030" actId="20577"/>
           <ac:spMkLst>
             <pc:docMk/>
             <pc:sldMk cId="774648753" sldId="256"/>
@@ -276,7 +281,7 @@
           </ac:spMkLst>
         </pc:spChg>
         <pc:spChg chg="add mod">
-          <ac:chgData name="Bo Tang" userId="332dbdf67b1791cd" providerId="LiveId" clId="{6B8877FE-AF44-4210-82EF-225C89579D75}" dt="2024-10-01T06:34:54.912" v="995"/>
+          <ac:chgData name="Bo Tang" userId="332dbdf67b1791cd" providerId="LiveId" clId="{6B8877FE-AF44-4210-82EF-225C89579D75}" dt="2024-10-01T07:05:54.464" v="1030" actId="20577"/>
           <ac:spMkLst>
             <pc:docMk/>
             <pc:sldMk cId="774648753" sldId="256"/>
@@ -284,7 +289,7 @@
           </ac:spMkLst>
         </pc:spChg>
         <pc:spChg chg="add mod topLvl">
-          <ac:chgData name="Bo Tang" userId="332dbdf67b1791cd" providerId="LiveId" clId="{6B8877FE-AF44-4210-82EF-225C89579D75}" dt="2024-10-01T06:34:54.912" v="995"/>
+          <ac:chgData name="Bo Tang" userId="332dbdf67b1791cd" providerId="LiveId" clId="{6B8877FE-AF44-4210-82EF-225C89579D75}" dt="2024-10-01T07:05:54.464" v="1030" actId="20577"/>
           <ac:spMkLst>
             <pc:docMk/>
             <pc:sldMk cId="774648753" sldId="256"/>
@@ -316,7 +321,7 @@
           </ac:spMkLst>
         </pc:spChg>
         <pc:spChg chg="add mod">
-          <ac:chgData name="Bo Tang" userId="332dbdf67b1791cd" providerId="LiveId" clId="{6B8877FE-AF44-4210-82EF-225C89579D75}" dt="2024-10-01T06:34:54.912" v="995"/>
+          <ac:chgData name="Bo Tang" userId="332dbdf67b1791cd" providerId="LiveId" clId="{6B8877FE-AF44-4210-82EF-225C89579D75}" dt="2024-10-01T07:06:11.877" v="1035" actId="1076"/>
           <ac:spMkLst>
             <pc:docMk/>
             <pc:sldMk cId="774648753" sldId="256"/>
@@ -324,7 +329,7 @@
           </ac:spMkLst>
         </pc:spChg>
         <pc:spChg chg="add mod">
-          <ac:chgData name="Bo Tang" userId="332dbdf67b1791cd" providerId="LiveId" clId="{6B8877FE-AF44-4210-82EF-225C89579D75}" dt="2024-10-01T06:34:54.912" v="995"/>
+          <ac:chgData name="Bo Tang" userId="332dbdf67b1791cd" providerId="LiveId" clId="{6B8877FE-AF44-4210-82EF-225C89579D75}" dt="2024-10-01T07:06:11.877" v="1035" actId="1076"/>
           <ac:spMkLst>
             <pc:docMk/>
             <pc:sldMk cId="774648753" sldId="256"/>
@@ -348,7 +353,7 @@
           </ac:spMkLst>
         </pc:spChg>
         <pc:spChg chg="mod topLvl">
-          <ac:chgData name="Bo Tang" userId="332dbdf67b1791cd" providerId="LiveId" clId="{6B8877FE-AF44-4210-82EF-225C89579D75}" dt="2024-10-01T06:34:54.912" v="995"/>
+          <ac:chgData name="Bo Tang" userId="332dbdf67b1791cd" providerId="LiveId" clId="{6B8877FE-AF44-4210-82EF-225C89579D75}" dt="2024-10-01T07:06:11.877" v="1035" actId="1076"/>
           <ac:spMkLst>
             <pc:docMk/>
             <pc:sldMk cId="774648753" sldId="256"/>
@@ -372,7 +377,7 @@
           </ac:spMkLst>
         </pc:spChg>
         <pc:spChg chg="add mod">
-          <ac:chgData name="Bo Tang" userId="332dbdf67b1791cd" providerId="LiveId" clId="{6B8877FE-AF44-4210-82EF-225C89579D75}" dt="2024-10-01T06:34:54.912" v="995"/>
+          <ac:chgData name="Bo Tang" userId="332dbdf67b1791cd" providerId="LiveId" clId="{6B8877FE-AF44-4210-82EF-225C89579D75}" dt="2024-10-01T07:05:54.464" v="1030" actId="20577"/>
           <ac:spMkLst>
             <pc:docMk/>
             <pc:sldMk cId="774648753" sldId="256"/>
@@ -380,7 +385,7 @@
           </ac:spMkLst>
         </pc:spChg>
         <pc:grpChg chg="add mod topLvl">
-          <ac:chgData name="Bo Tang" userId="332dbdf67b1791cd" providerId="LiveId" clId="{6B8877FE-AF44-4210-82EF-225C89579D75}" dt="2024-10-01T06:34:54.912" v="995"/>
+          <ac:chgData name="Bo Tang" userId="332dbdf67b1791cd" providerId="LiveId" clId="{6B8877FE-AF44-4210-82EF-225C89579D75}" dt="2024-10-01T07:05:54.464" v="1030" actId="20577"/>
           <ac:grpSpMkLst>
             <pc:docMk/>
             <pc:sldMk cId="774648753" sldId="256"/>
@@ -396,7 +401,7 @@
           </ac:grpSpMkLst>
         </pc:grpChg>
         <pc:grpChg chg="add del mod topLvl">
-          <ac:chgData name="Bo Tang" userId="332dbdf67b1791cd" providerId="LiveId" clId="{6B8877FE-AF44-4210-82EF-225C89579D75}" dt="2024-10-01T06:34:54.912" v="995"/>
+          <ac:chgData name="Bo Tang" userId="332dbdf67b1791cd" providerId="LiveId" clId="{6B8877FE-AF44-4210-82EF-225C89579D75}" dt="2024-10-01T07:05:54.464" v="1030" actId="20577"/>
           <ac:grpSpMkLst>
             <pc:docMk/>
             <pc:sldMk cId="774648753" sldId="256"/>
@@ -404,7 +409,7 @@
           </ac:grpSpMkLst>
         </pc:grpChg>
         <pc:grpChg chg="add mod topLvl">
-          <ac:chgData name="Bo Tang" userId="332dbdf67b1791cd" providerId="LiveId" clId="{6B8877FE-AF44-4210-82EF-225C89579D75}" dt="2024-10-01T06:34:54.912" v="995"/>
+          <ac:chgData name="Bo Tang" userId="332dbdf67b1791cd" providerId="LiveId" clId="{6B8877FE-AF44-4210-82EF-225C89579D75}" dt="2024-10-01T07:05:54.464" v="1030" actId="20577"/>
           <ac:grpSpMkLst>
             <pc:docMk/>
             <pc:sldMk cId="774648753" sldId="256"/>
@@ -412,7 +417,7 @@
           </ac:grpSpMkLst>
         </pc:grpChg>
         <pc:grpChg chg="add mod topLvl">
-          <ac:chgData name="Bo Tang" userId="332dbdf67b1791cd" providerId="LiveId" clId="{6B8877FE-AF44-4210-82EF-225C89579D75}" dt="2024-10-01T06:34:54.912" v="995"/>
+          <ac:chgData name="Bo Tang" userId="332dbdf67b1791cd" providerId="LiveId" clId="{6B8877FE-AF44-4210-82EF-225C89579D75}" dt="2024-10-01T07:05:54.464" v="1030" actId="20577"/>
           <ac:grpSpMkLst>
             <pc:docMk/>
             <pc:sldMk cId="774648753" sldId="256"/>
@@ -452,7 +457,7 @@
           </ac:grpSpMkLst>
         </pc:grpChg>
         <pc:grpChg chg="add mod">
-          <ac:chgData name="Bo Tang" userId="332dbdf67b1791cd" providerId="LiveId" clId="{6B8877FE-AF44-4210-82EF-225C89579D75}" dt="2024-10-01T06:34:54.912" v="995"/>
+          <ac:chgData name="Bo Tang" userId="332dbdf67b1791cd" providerId="LiveId" clId="{6B8877FE-AF44-4210-82EF-225C89579D75}" dt="2024-10-01T07:05:54.464" v="1030" actId="20577"/>
           <ac:grpSpMkLst>
             <pc:docMk/>
             <pc:sldMk cId="774648753" sldId="256"/>
@@ -460,7 +465,7 @@
           </ac:grpSpMkLst>
         </pc:grpChg>
         <pc:grpChg chg="add mod">
-          <ac:chgData name="Bo Tang" userId="332dbdf67b1791cd" providerId="LiveId" clId="{6B8877FE-AF44-4210-82EF-225C89579D75}" dt="2024-10-01T06:35:22.834" v="1019" actId="1035"/>
+          <ac:chgData name="Bo Tang" userId="332dbdf67b1791cd" providerId="LiveId" clId="{6B8877FE-AF44-4210-82EF-225C89579D75}" dt="2024-10-01T07:05:54.464" v="1030" actId="20577"/>
           <ac:grpSpMkLst>
             <pc:docMk/>
             <pc:sldMk cId="774648753" sldId="256"/>
@@ -476,7 +481,7 @@
           </ac:cxnSpMkLst>
         </pc:cxnChg>
         <pc:cxnChg chg="add mod topLvl">
-          <ac:chgData name="Bo Tang" userId="332dbdf67b1791cd" providerId="LiveId" clId="{6B8877FE-AF44-4210-82EF-225C89579D75}" dt="2024-10-01T06:34:54.912" v="995"/>
+          <ac:chgData name="Bo Tang" userId="332dbdf67b1791cd" providerId="LiveId" clId="{6B8877FE-AF44-4210-82EF-225C89579D75}" dt="2024-10-01T07:05:54.464" v="1030" actId="20577"/>
           <ac:cxnSpMkLst>
             <pc:docMk/>
             <pc:sldMk cId="774648753" sldId="256"/>
@@ -484,7 +489,7 @@
           </ac:cxnSpMkLst>
         </pc:cxnChg>
         <pc:cxnChg chg="mod">
-          <ac:chgData name="Bo Tang" userId="332dbdf67b1791cd" providerId="LiveId" clId="{6B8877FE-AF44-4210-82EF-225C89579D75}" dt="2024-10-01T06:34:54.912" v="995"/>
+          <ac:chgData name="Bo Tang" userId="332dbdf67b1791cd" providerId="LiveId" clId="{6B8877FE-AF44-4210-82EF-225C89579D75}" dt="2024-10-01T07:05:54.464" v="1030" actId="20577"/>
           <ac:cxnSpMkLst>
             <pc:docMk/>
             <pc:sldMk cId="774648753" sldId="256"/>
@@ -492,7 +497,7 @@
           </ac:cxnSpMkLst>
         </pc:cxnChg>
         <pc:cxnChg chg="mod">
-          <ac:chgData name="Bo Tang" userId="332dbdf67b1791cd" providerId="LiveId" clId="{6B8877FE-AF44-4210-82EF-225C89579D75}" dt="2024-10-01T06:34:54.912" v="995"/>
+          <ac:chgData name="Bo Tang" userId="332dbdf67b1791cd" providerId="LiveId" clId="{6B8877FE-AF44-4210-82EF-225C89579D75}" dt="2024-10-01T07:05:54.464" v="1030" actId="20577"/>
           <ac:cxnSpMkLst>
             <pc:docMk/>
             <pc:sldMk cId="774648753" sldId="256"/>
@@ -500,7 +505,7 @@
           </ac:cxnSpMkLst>
         </pc:cxnChg>
         <pc:cxnChg chg="mod">
-          <ac:chgData name="Bo Tang" userId="332dbdf67b1791cd" providerId="LiveId" clId="{6B8877FE-AF44-4210-82EF-225C89579D75}" dt="2024-10-01T06:34:54.912" v="995"/>
+          <ac:chgData name="Bo Tang" userId="332dbdf67b1791cd" providerId="LiveId" clId="{6B8877FE-AF44-4210-82EF-225C89579D75}" dt="2024-10-01T07:05:54.464" v="1030" actId="20577"/>
           <ac:cxnSpMkLst>
             <pc:docMk/>
             <pc:sldMk cId="774648753" sldId="256"/>
@@ -508,7 +513,7 @@
           </ac:cxnSpMkLst>
         </pc:cxnChg>
         <pc:cxnChg chg="mod">
-          <ac:chgData name="Bo Tang" userId="332dbdf67b1791cd" providerId="LiveId" clId="{6B8877FE-AF44-4210-82EF-225C89579D75}" dt="2024-10-01T06:34:54.912" v="995"/>
+          <ac:chgData name="Bo Tang" userId="332dbdf67b1791cd" providerId="LiveId" clId="{6B8877FE-AF44-4210-82EF-225C89579D75}" dt="2024-10-01T07:05:54.464" v="1030" actId="20577"/>
           <ac:cxnSpMkLst>
             <pc:docMk/>
             <pc:sldMk cId="774648753" sldId="256"/>
@@ -516,7 +521,7 @@
           </ac:cxnSpMkLst>
         </pc:cxnChg>
         <pc:cxnChg chg="mod">
-          <ac:chgData name="Bo Tang" userId="332dbdf67b1791cd" providerId="LiveId" clId="{6B8877FE-AF44-4210-82EF-225C89579D75}" dt="2024-10-01T06:34:54.912" v="995"/>
+          <ac:chgData name="Bo Tang" userId="332dbdf67b1791cd" providerId="LiveId" clId="{6B8877FE-AF44-4210-82EF-225C89579D75}" dt="2024-10-01T07:05:54.464" v="1030" actId="20577"/>
           <ac:cxnSpMkLst>
             <pc:docMk/>
             <pc:sldMk cId="774648753" sldId="256"/>
@@ -524,7 +529,7 @@
           </ac:cxnSpMkLst>
         </pc:cxnChg>
         <pc:cxnChg chg="mod">
-          <ac:chgData name="Bo Tang" userId="332dbdf67b1791cd" providerId="LiveId" clId="{6B8877FE-AF44-4210-82EF-225C89579D75}" dt="2024-10-01T06:34:54.912" v="995"/>
+          <ac:chgData name="Bo Tang" userId="332dbdf67b1791cd" providerId="LiveId" clId="{6B8877FE-AF44-4210-82EF-225C89579D75}" dt="2024-10-01T07:05:54.464" v="1030" actId="20577"/>
           <ac:cxnSpMkLst>
             <pc:docMk/>
             <pc:sldMk cId="774648753" sldId="256"/>
@@ -532,7 +537,7 @@
           </ac:cxnSpMkLst>
         </pc:cxnChg>
         <pc:cxnChg chg="mod">
-          <ac:chgData name="Bo Tang" userId="332dbdf67b1791cd" providerId="LiveId" clId="{6B8877FE-AF44-4210-82EF-225C89579D75}" dt="2024-10-01T06:34:54.912" v="995"/>
+          <ac:chgData name="Bo Tang" userId="332dbdf67b1791cd" providerId="LiveId" clId="{6B8877FE-AF44-4210-82EF-225C89579D75}" dt="2024-10-01T07:05:54.464" v="1030" actId="20577"/>
           <ac:cxnSpMkLst>
             <pc:docMk/>
             <pc:sldMk cId="774648753" sldId="256"/>
@@ -540,7 +545,7 @@
           </ac:cxnSpMkLst>
         </pc:cxnChg>
         <pc:cxnChg chg="mod">
-          <ac:chgData name="Bo Tang" userId="332dbdf67b1791cd" providerId="LiveId" clId="{6B8877FE-AF44-4210-82EF-225C89579D75}" dt="2024-10-01T06:34:54.912" v="995"/>
+          <ac:chgData name="Bo Tang" userId="332dbdf67b1791cd" providerId="LiveId" clId="{6B8877FE-AF44-4210-82EF-225C89579D75}" dt="2024-10-01T07:05:54.464" v="1030" actId="20577"/>
           <ac:cxnSpMkLst>
             <pc:docMk/>
             <pc:sldMk cId="774648753" sldId="256"/>
@@ -548,7 +553,7 @@
           </ac:cxnSpMkLst>
         </pc:cxnChg>
         <pc:cxnChg chg="mod">
-          <ac:chgData name="Bo Tang" userId="332dbdf67b1791cd" providerId="LiveId" clId="{6B8877FE-AF44-4210-82EF-225C89579D75}" dt="2024-10-01T06:34:54.912" v="995"/>
+          <ac:chgData name="Bo Tang" userId="332dbdf67b1791cd" providerId="LiveId" clId="{6B8877FE-AF44-4210-82EF-225C89579D75}" dt="2024-10-01T07:05:54.464" v="1030" actId="20577"/>
           <ac:cxnSpMkLst>
             <pc:docMk/>
             <pc:sldMk cId="774648753" sldId="256"/>
@@ -556,7 +561,7 @@
           </ac:cxnSpMkLst>
         </pc:cxnChg>
         <pc:cxnChg chg="mod">
-          <ac:chgData name="Bo Tang" userId="332dbdf67b1791cd" providerId="LiveId" clId="{6B8877FE-AF44-4210-82EF-225C89579D75}" dt="2024-10-01T06:34:54.912" v="995"/>
+          <ac:chgData name="Bo Tang" userId="332dbdf67b1791cd" providerId="LiveId" clId="{6B8877FE-AF44-4210-82EF-225C89579D75}" dt="2024-10-01T07:05:54.464" v="1030" actId="20577"/>
           <ac:cxnSpMkLst>
             <pc:docMk/>
             <pc:sldMk cId="774648753" sldId="256"/>
@@ -564,7 +569,7 @@
           </ac:cxnSpMkLst>
         </pc:cxnChg>
         <pc:cxnChg chg="mod">
-          <ac:chgData name="Bo Tang" userId="332dbdf67b1791cd" providerId="LiveId" clId="{6B8877FE-AF44-4210-82EF-225C89579D75}" dt="2024-10-01T06:34:54.912" v="995"/>
+          <ac:chgData name="Bo Tang" userId="332dbdf67b1791cd" providerId="LiveId" clId="{6B8877FE-AF44-4210-82EF-225C89579D75}" dt="2024-10-01T07:05:54.464" v="1030" actId="20577"/>
           <ac:cxnSpMkLst>
             <pc:docMk/>
             <pc:sldMk cId="774648753" sldId="256"/>
@@ -572,7 +577,7 @@
           </ac:cxnSpMkLst>
         </pc:cxnChg>
         <pc:cxnChg chg="mod">
-          <ac:chgData name="Bo Tang" userId="332dbdf67b1791cd" providerId="LiveId" clId="{6B8877FE-AF44-4210-82EF-225C89579D75}" dt="2024-10-01T06:34:54.912" v="995"/>
+          <ac:chgData name="Bo Tang" userId="332dbdf67b1791cd" providerId="LiveId" clId="{6B8877FE-AF44-4210-82EF-225C89579D75}" dt="2024-10-01T07:05:54.464" v="1030" actId="20577"/>
           <ac:cxnSpMkLst>
             <pc:docMk/>
             <pc:sldMk cId="774648753" sldId="256"/>
@@ -580,7 +585,7 @@
           </ac:cxnSpMkLst>
         </pc:cxnChg>
         <pc:cxnChg chg="mod">
-          <ac:chgData name="Bo Tang" userId="332dbdf67b1791cd" providerId="LiveId" clId="{6B8877FE-AF44-4210-82EF-225C89579D75}" dt="2024-10-01T06:34:54.912" v="995"/>
+          <ac:chgData name="Bo Tang" userId="332dbdf67b1791cd" providerId="LiveId" clId="{6B8877FE-AF44-4210-82EF-225C89579D75}" dt="2024-10-01T07:05:54.464" v="1030" actId="20577"/>
           <ac:cxnSpMkLst>
             <pc:docMk/>
             <pc:sldMk cId="774648753" sldId="256"/>
@@ -588,7 +593,7 @@
           </ac:cxnSpMkLst>
         </pc:cxnChg>
         <pc:cxnChg chg="mod">
-          <ac:chgData name="Bo Tang" userId="332dbdf67b1791cd" providerId="LiveId" clId="{6B8877FE-AF44-4210-82EF-225C89579D75}" dt="2024-10-01T06:34:54.912" v="995"/>
+          <ac:chgData name="Bo Tang" userId="332dbdf67b1791cd" providerId="LiveId" clId="{6B8877FE-AF44-4210-82EF-225C89579D75}" dt="2024-10-01T07:05:54.464" v="1030" actId="20577"/>
           <ac:cxnSpMkLst>
             <pc:docMk/>
             <pc:sldMk cId="774648753" sldId="256"/>
@@ -596,7 +601,7 @@
           </ac:cxnSpMkLst>
         </pc:cxnChg>
         <pc:cxnChg chg="mod">
-          <ac:chgData name="Bo Tang" userId="332dbdf67b1791cd" providerId="LiveId" clId="{6B8877FE-AF44-4210-82EF-225C89579D75}" dt="2024-10-01T06:34:54.912" v="995"/>
+          <ac:chgData name="Bo Tang" userId="332dbdf67b1791cd" providerId="LiveId" clId="{6B8877FE-AF44-4210-82EF-225C89579D75}" dt="2024-10-01T07:05:54.464" v="1030" actId="20577"/>
           <ac:cxnSpMkLst>
             <pc:docMk/>
             <pc:sldMk cId="774648753" sldId="256"/>
@@ -612,7 +617,7 @@
           </ac:cxnSpMkLst>
         </pc:cxnChg>
         <pc:cxnChg chg="add mod topLvl">
-          <ac:chgData name="Bo Tang" userId="332dbdf67b1791cd" providerId="LiveId" clId="{6B8877FE-AF44-4210-82EF-225C89579D75}" dt="2024-10-01T06:34:54.912" v="995"/>
+          <ac:chgData name="Bo Tang" userId="332dbdf67b1791cd" providerId="LiveId" clId="{6B8877FE-AF44-4210-82EF-225C89579D75}" dt="2024-10-01T07:05:54.464" v="1030" actId="20577"/>
           <ac:cxnSpMkLst>
             <pc:docMk/>
             <pc:sldMk cId="774648753" sldId="256"/>
@@ -620,7 +625,7 @@
           </ac:cxnSpMkLst>
         </pc:cxnChg>
         <pc:cxnChg chg="add mod topLvl">
-          <ac:chgData name="Bo Tang" userId="332dbdf67b1791cd" providerId="LiveId" clId="{6B8877FE-AF44-4210-82EF-225C89579D75}" dt="2024-10-01T06:34:54.912" v="995"/>
+          <ac:chgData name="Bo Tang" userId="332dbdf67b1791cd" providerId="LiveId" clId="{6B8877FE-AF44-4210-82EF-225C89579D75}" dt="2024-10-01T07:05:54.464" v="1030" actId="20577"/>
           <ac:cxnSpMkLst>
             <pc:docMk/>
             <pc:sldMk cId="774648753" sldId="256"/>
@@ -628,7 +633,7 @@
           </ac:cxnSpMkLst>
         </pc:cxnChg>
         <pc:cxnChg chg="add mod topLvl">
-          <ac:chgData name="Bo Tang" userId="332dbdf67b1791cd" providerId="LiveId" clId="{6B8877FE-AF44-4210-82EF-225C89579D75}" dt="2024-10-01T06:34:54.912" v="995"/>
+          <ac:chgData name="Bo Tang" userId="332dbdf67b1791cd" providerId="LiveId" clId="{6B8877FE-AF44-4210-82EF-225C89579D75}" dt="2024-10-01T07:05:54.464" v="1030" actId="20577"/>
           <ac:cxnSpMkLst>
             <pc:docMk/>
             <pc:sldMk cId="774648753" sldId="256"/>
@@ -636,7 +641,7 @@
           </ac:cxnSpMkLst>
         </pc:cxnChg>
         <pc:cxnChg chg="add mod topLvl">
-          <ac:chgData name="Bo Tang" userId="332dbdf67b1791cd" providerId="LiveId" clId="{6B8877FE-AF44-4210-82EF-225C89579D75}" dt="2024-10-01T06:34:54.912" v="995"/>
+          <ac:chgData name="Bo Tang" userId="332dbdf67b1791cd" providerId="LiveId" clId="{6B8877FE-AF44-4210-82EF-225C89579D75}" dt="2024-10-01T07:05:54.464" v="1030" actId="20577"/>
           <ac:cxnSpMkLst>
             <pc:docMk/>
             <pc:sldMk cId="774648753" sldId="256"/>
@@ -644,7 +649,7 @@
           </ac:cxnSpMkLst>
         </pc:cxnChg>
         <pc:cxnChg chg="add mod topLvl">
-          <ac:chgData name="Bo Tang" userId="332dbdf67b1791cd" providerId="LiveId" clId="{6B8877FE-AF44-4210-82EF-225C89579D75}" dt="2024-10-01T06:34:54.912" v="995"/>
+          <ac:chgData name="Bo Tang" userId="332dbdf67b1791cd" providerId="LiveId" clId="{6B8877FE-AF44-4210-82EF-225C89579D75}" dt="2024-10-01T07:05:54.464" v="1030" actId="20577"/>
           <ac:cxnSpMkLst>
             <pc:docMk/>
             <pc:sldMk cId="774648753" sldId="256"/>
@@ -652,7 +657,7 @@
           </ac:cxnSpMkLst>
         </pc:cxnChg>
         <pc:cxnChg chg="add mod topLvl">
-          <ac:chgData name="Bo Tang" userId="332dbdf67b1791cd" providerId="LiveId" clId="{6B8877FE-AF44-4210-82EF-225C89579D75}" dt="2024-10-01T06:34:54.912" v="995"/>
+          <ac:chgData name="Bo Tang" userId="332dbdf67b1791cd" providerId="LiveId" clId="{6B8877FE-AF44-4210-82EF-225C89579D75}" dt="2024-10-01T07:05:54.464" v="1030" actId="20577"/>
           <ac:cxnSpMkLst>
             <pc:docMk/>
             <pc:sldMk cId="774648753" sldId="256"/>
@@ -668,7 +673,7 @@
           </ac:cxnSpMkLst>
         </pc:cxnChg>
         <pc:cxnChg chg="add mod">
-          <ac:chgData name="Bo Tang" userId="332dbdf67b1791cd" providerId="LiveId" clId="{6B8877FE-AF44-4210-82EF-225C89579D75}" dt="2024-10-01T06:34:54.912" v="995"/>
+          <ac:chgData name="Bo Tang" userId="332dbdf67b1791cd" providerId="LiveId" clId="{6B8877FE-AF44-4210-82EF-225C89579D75}" dt="2024-10-01T07:05:54.464" v="1030" actId="20577"/>
           <ac:cxnSpMkLst>
             <pc:docMk/>
             <pc:sldMk cId="774648753" sldId="256"/>
@@ -677,7 +682,7 @@
         </pc:cxnChg>
       </pc:sldChg>
       <pc:sldChg chg="addSp delSp modSp add mod">
-        <pc:chgData name="Bo Tang" userId="332dbdf67b1791cd" providerId="LiveId" clId="{6B8877FE-AF44-4210-82EF-225C89579D75}" dt="2024-10-01T06:35:12.218" v="1007" actId="1035"/>
+        <pc:chgData name="Bo Tang" userId="332dbdf67b1791cd" providerId="LiveId" clId="{6B8877FE-AF44-4210-82EF-225C89579D75}" dt="2024-10-01T07:06:20.782" v="1040" actId="20577"/>
         <pc:sldMkLst>
           <pc:docMk/>
           <pc:sldMk cId="1718999486" sldId="257"/>
@@ -699,7 +704,7 @@
           </ac:spMkLst>
         </pc:spChg>
         <pc:spChg chg="mod">
-          <ac:chgData name="Bo Tang" userId="332dbdf67b1791cd" providerId="LiveId" clId="{6B8877FE-AF44-4210-82EF-225C89579D75}" dt="2024-10-01T06:34:54.912" v="995"/>
+          <ac:chgData name="Bo Tang" userId="332dbdf67b1791cd" providerId="LiveId" clId="{6B8877FE-AF44-4210-82EF-225C89579D75}" dt="2024-10-01T07:06:20.782" v="1040" actId="20577"/>
           <ac:spMkLst>
             <pc:docMk/>
             <pc:sldMk cId="1718999486" sldId="257"/>
@@ -715,7 +720,7 @@
           </ac:spMkLst>
         </pc:spChg>
         <pc:spChg chg="mod">
-          <ac:chgData name="Bo Tang" userId="332dbdf67b1791cd" providerId="LiveId" clId="{6B8877FE-AF44-4210-82EF-225C89579D75}" dt="2024-10-01T06:34:54.912" v="995"/>
+          <ac:chgData name="Bo Tang" userId="332dbdf67b1791cd" providerId="LiveId" clId="{6B8877FE-AF44-4210-82EF-225C89579D75}" dt="2024-10-01T07:06:20.782" v="1040" actId="20577"/>
           <ac:spMkLst>
             <pc:docMk/>
             <pc:sldMk cId="1718999486" sldId="257"/>
@@ -723,7 +728,7 @@
           </ac:spMkLst>
         </pc:spChg>
         <pc:spChg chg="mod topLvl">
-          <ac:chgData name="Bo Tang" userId="332dbdf67b1791cd" providerId="LiveId" clId="{6B8877FE-AF44-4210-82EF-225C89579D75}" dt="2024-10-01T06:34:54.912" v="995"/>
+          <ac:chgData name="Bo Tang" userId="332dbdf67b1791cd" providerId="LiveId" clId="{6B8877FE-AF44-4210-82EF-225C89579D75}" dt="2024-10-01T07:06:20.782" v="1040" actId="20577"/>
           <ac:spMkLst>
             <pc:docMk/>
             <pc:sldMk cId="1718999486" sldId="257"/>
@@ -739,7 +744,7 @@
           </ac:spMkLst>
         </pc:spChg>
         <pc:spChg chg="mod topLvl">
-          <ac:chgData name="Bo Tang" userId="332dbdf67b1791cd" providerId="LiveId" clId="{6B8877FE-AF44-4210-82EF-225C89579D75}" dt="2024-10-01T06:34:54.912" v="995"/>
+          <ac:chgData name="Bo Tang" userId="332dbdf67b1791cd" providerId="LiveId" clId="{6B8877FE-AF44-4210-82EF-225C89579D75}" dt="2024-10-01T07:06:20.782" v="1040" actId="20577"/>
           <ac:spMkLst>
             <pc:docMk/>
             <pc:sldMk cId="1718999486" sldId="257"/>
@@ -747,7 +752,7 @@
           </ac:spMkLst>
         </pc:spChg>
         <pc:spChg chg="mod">
-          <ac:chgData name="Bo Tang" userId="332dbdf67b1791cd" providerId="LiveId" clId="{6B8877FE-AF44-4210-82EF-225C89579D75}" dt="2024-10-01T06:34:54.912" v="995"/>
+          <ac:chgData name="Bo Tang" userId="332dbdf67b1791cd" providerId="LiveId" clId="{6B8877FE-AF44-4210-82EF-225C89579D75}" dt="2024-10-01T07:06:20.782" v="1040" actId="20577"/>
           <ac:spMkLst>
             <pc:docMk/>
             <pc:sldMk cId="1718999486" sldId="257"/>
@@ -755,7 +760,7 @@
           </ac:spMkLst>
         </pc:spChg>
         <pc:spChg chg="mod">
-          <ac:chgData name="Bo Tang" userId="332dbdf67b1791cd" providerId="LiveId" clId="{6B8877FE-AF44-4210-82EF-225C89579D75}" dt="2024-10-01T06:34:54.912" v="995"/>
+          <ac:chgData name="Bo Tang" userId="332dbdf67b1791cd" providerId="LiveId" clId="{6B8877FE-AF44-4210-82EF-225C89579D75}" dt="2024-10-01T07:06:20.782" v="1040" actId="20577"/>
           <ac:spMkLst>
             <pc:docMk/>
             <pc:sldMk cId="1718999486" sldId="257"/>
@@ -763,7 +768,7 @@
           </ac:spMkLst>
         </pc:spChg>
         <pc:spChg chg="mod">
-          <ac:chgData name="Bo Tang" userId="332dbdf67b1791cd" providerId="LiveId" clId="{6B8877FE-AF44-4210-82EF-225C89579D75}" dt="2024-10-01T06:34:54.912" v="995"/>
+          <ac:chgData name="Bo Tang" userId="332dbdf67b1791cd" providerId="LiveId" clId="{6B8877FE-AF44-4210-82EF-225C89579D75}" dt="2024-10-01T07:06:20.782" v="1040" actId="20577"/>
           <ac:spMkLst>
             <pc:docMk/>
             <pc:sldMk cId="1718999486" sldId="257"/>
@@ -771,7 +776,7 @@
           </ac:spMkLst>
         </pc:spChg>
         <pc:spChg chg="mod">
-          <ac:chgData name="Bo Tang" userId="332dbdf67b1791cd" providerId="LiveId" clId="{6B8877FE-AF44-4210-82EF-225C89579D75}" dt="2024-10-01T06:34:54.912" v="995"/>
+          <ac:chgData name="Bo Tang" userId="332dbdf67b1791cd" providerId="LiveId" clId="{6B8877FE-AF44-4210-82EF-225C89579D75}" dt="2024-10-01T07:06:20.782" v="1040" actId="20577"/>
           <ac:spMkLst>
             <pc:docMk/>
             <pc:sldMk cId="1718999486" sldId="257"/>
@@ -779,7 +784,7 @@
           </ac:spMkLst>
         </pc:spChg>
         <pc:spChg chg="mod">
-          <ac:chgData name="Bo Tang" userId="332dbdf67b1791cd" providerId="LiveId" clId="{6B8877FE-AF44-4210-82EF-225C89579D75}" dt="2024-10-01T06:34:54.912" v="995"/>
+          <ac:chgData name="Bo Tang" userId="332dbdf67b1791cd" providerId="LiveId" clId="{6B8877FE-AF44-4210-82EF-225C89579D75}" dt="2024-10-01T07:06:20.782" v="1040" actId="20577"/>
           <ac:spMkLst>
             <pc:docMk/>
             <pc:sldMk cId="1718999486" sldId="257"/>
@@ -787,7 +792,7 @@
           </ac:spMkLst>
         </pc:spChg>
         <pc:spChg chg="mod">
-          <ac:chgData name="Bo Tang" userId="332dbdf67b1791cd" providerId="LiveId" clId="{6B8877FE-AF44-4210-82EF-225C89579D75}" dt="2024-10-01T06:34:54.912" v="995"/>
+          <ac:chgData name="Bo Tang" userId="332dbdf67b1791cd" providerId="LiveId" clId="{6B8877FE-AF44-4210-82EF-225C89579D75}" dt="2024-10-01T07:06:20.782" v="1040" actId="20577"/>
           <ac:spMkLst>
             <pc:docMk/>
             <pc:sldMk cId="1718999486" sldId="257"/>
@@ -795,7 +800,7 @@
           </ac:spMkLst>
         </pc:spChg>
         <pc:spChg chg="mod">
-          <ac:chgData name="Bo Tang" userId="332dbdf67b1791cd" providerId="LiveId" clId="{6B8877FE-AF44-4210-82EF-225C89579D75}" dt="2024-10-01T06:34:54.912" v="995"/>
+          <ac:chgData name="Bo Tang" userId="332dbdf67b1791cd" providerId="LiveId" clId="{6B8877FE-AF44-4210-82EF-225C89579D75}" dt="2024-10-01T07:06:20.782" v="1040" actId="20577"/>
           <ac:spMkLst>
             <pc:docMk/>
             <pc:sldMk cId="1718999486" sldId="257"/>
@@ -803,7 +808,7 @@
           </ac:spMkLst>
         </pc:spChg>
         <pc:spChg chg="mod">
-          <ac:chgData name="Bo Tang" userId="332dbdf67b1791cd" providerId="LiveId" clId="{6B8877FE-AF44-4210-82EF-225C89579D75}" dt="2024-10-01T06:34:54.912" v="995"/>
+          <ac:chgData name="Bo Tang" userId="332dbdf67b1791cd" providerId="LiveId" clId="{6B8877FE-AF44-4210-82EF-225C89579D75}" dt="2024-10-01T07:06:20.782" v="1040" actId="20577"/>
           <ac:spMkLst>
             <pc:docMk/>
             <pc:sldMk cId="1718999486" sldId="257"/>
@@ -811,7 +816,7 @@
           </ac:spMkLst>
         </pc:spChg>
         <pc:spChg chg="mod topLvl">
-          <ac:chgData name="Bo Tang" userId="332dbdf67b1791cd" providerId="LiveId" clId="{6B8877FE-AF44-4210-82EF-225C89579D75}" dt="2024-10-01T06:34:54.912" v="995"/>
+          <ac:chgData name="Bo Tang" userId="332dbdf67b1791cd" providerId="LiveId" clId="{6B8877FE-AF44-4210-82EF-225C89579D75}" dt="2024-10-01T07:06:20.782" v="1040" actId="20577"/>
           <ac:spMkLst>
             <pc:docMk/>
             <pc:sldMk cId="1718999486" sldId="257"/>
@@ -819,7 +824,7 @@
           </ac:spMkLst>
         </pc:spChg>
         <pc:spChg chg="mod">
-          <ac:chgData name="Bo Tang" userId="332dbdf67b1791cd" providerId="LiveId" clId="{6B8877FE-AF44-4210-82EF-225C89579D75}" dt="2024-10-01T06:34:54.912" v="995"/>
+          <ac:chgData name="Bo Tang" userId="332dbdf67b1791cd" providerId="LiveId" clId="{6B8877FE-AF44-4210-82EF-225C89579D75}" dt="2024-10-01T07:06:20.782" v="1040" actId="20577"/>
           <ac:spMkLst>
             <pc:docMk/>
             <pc:sldMk cId="1718999486" sldId="257"/>
@@ -827,7 +832,7 @@
           </ac:spMkLst>
         </pc:spChg>
         <pc:spChg chg="mod topLvl">
-          <ac:chgData name="Bo Tang" userId="332dbdf67b1791cd" providerId="LiveId" clId="{6B8877FE-AF44-4210-82EF-225C89579D75}" dt="2024-10-01T06:34:54.912" v="995"/>
+          <ac:chgData name="Bo Tang" userId="332dbdf67b1791cd" providerId="LiveId" clId="{6B8877FE-AF44-4210-82EF-225C89579D75}" dt="2024-10-01T07:06:20.782" v="1040" actId="20577"/>
           <ac:spMkLst>
             <pc:docMk/>
             <pc:sldMk cId="1718999486" sldId="257"/>
@@ -835,7 +840,7 @@
           </ac:spMkLst>
         </pc:spChg>
         <pc:spChg chg="mod">
-          <ac:chgData name="Bo Tang" userId="332dbdf67b1791cd" providerId="LiveId" clId="{6B8877FE-AF44-4210-82EF-225C89579D75}" dt="2024-10-01T06:34:54.912" v="995"/>
+          <ac:chgData name="Bo Tang" userId="332dbdf67b1791cd" providerId="LiveId" clId="{6B8877FE-AF44-4210-82EF-225C89579D75}" dt="2024-10-01T07:06:20.782" v="1040" actId="20577"/>
           <ac:spMkLst>
             <pc:docMk/>
             <pc:sldMk cId="1718999486" sldId="257"/>
@@ -843,7 +848,7 @@
           </ac:spMkLst>
         </pc:spChg>
         <pc:spChg chg="mod">
-          <ac:chgData name="Bo Tang" userId="332dbdf67b1791cd" providerId="LiveId" clId="{6B8877FE-AF44-4210-82EF-225C89579D75}" dt="2024-10-01T06:34:54.912" v="995"/>
+          <ac:chgData name="Bo Tang" userId="332dbdf67b1791cd" providerId="LiveId" clId="{6B8877FE-AF44-4210-82EF-225C89579D75}" dt="2024-10-01T07:06:20.782" v="1040" actId="20577"/>
           <ac:spMkLst>
             <pc:docMk/>
             <pc:sldMk cId="1718999486" sldId="257"/>
@@ -851,7 +856,7 @@
           </ac:spMkLst>
         </pc:spChg>
         <pc:spChg chg="mod">
-          <ac:chgData name="Bo Tang" userId="332dbdf67b1791cd" providerId="LiveId" clId="{6B8877FE-AF44-4210-82EF-225C89579D75}" dt="2024-10-01T06:34:54.912" v="995"/>
+          <ac:chgData name="Bo Tang" userId="332dbdf67b1791cd" providerId="LiveId" clId="{6B8877FE-AF44-4210-82EF-225C89579D75}" dt="2024-10-01T07:06:20.782" v="1040" actId="20577"/>
           <ac:spMkLst>
             <pc:docMk/>
             <pc:sldMk cId="1718999486" sldId="257"/>
@@ -859,7 +864,7 @@
           </ac:spMkLst>
         </pc:spChg>
         <pc:spChg chg="mod topLvl">
-          <ac:chgData name="Bo Tang" userId="332dbdf67b1791cd" providerId="LiveId" clId="{6B8877FE-AF44-4210-82EF-225C89579D75}" dt="2024-10-01T06:34:54.912" v="995"/>
+          <ac:chgData name="Bo Tang" userId="332dbdf67b1791cd" providerId="LiveId" clId="{6B8877FE-AF44-4210-82EF-225C89579D75}" dt="2024-10-01T07:06:20.782" v="1040" actId="20577"/>
           <ac:spMkLst>
             <pc:docMk/>
             <pc:sldMk cId="1718999486" sldId="257"/>
@@ -867,7 +872,7 @@
           </ac:spMkLst>
         </pc:spChg>
         <pc:grpChg chg="mod topLvl">
-          <ac:chgData name="Bo Tang" userId="332dbdf67b1791cd" providerId="LiveId" clId="{6B8877FE-AF44-4210-82EF-225C89579D75}" dt="2024-10-01T06:34:54.912" v="995"/>
+          <ac:chgData name="Bo Tang" userId="332dbdf67b1791cd" providerId="LiveId" clId="{6B8877FE-AF44-4210-82EF-225C89579D75}" dt="2024-10-01T07:06:20.782" v="1040" actId="20577"/>
           <ac:grpSpMkLst>
             <pc:docMk/>
             <pc:sldMk cId="1718999486" sldId="257"/>
@@ -875,7 +880,7 @@
           </ac:grpSpMkLst>
         </pc:grpChg>
         <pc:grpChg chg="add mod">
-          <ac:chgData name="Bo Tang" userId="332dbdf67b1791cd" providerId="LiveId" clId="{6B8877FE-AF44-4210-82EF-225C89579D75}" dt="2024-10-01T06:35:12.218" v="1007" actId="1035"/>
+          <ac:chgData name="Bo Tang" userId="332dbdf67b1791cd" providerId="LiveId" clId="{6B8877FE-AF44-4210-82EF-225C89579D75}" dt="2024-10-01T07:06:20.782" v="1040" actId="20577"/>
           <ac:grpSpMkLst>
             <pc:docMk/>
             <pc:sldMk cId="1718999486" sldId="257"/>
@@ -883,7 +888,7 @@
           </ac:grpSpMkLst>
         </pc:grpChg>
         <pc:grpChg chg="mod">
-          <ac:chgData name="Bo Tang" userId="332dbdf67b1791cd" providerId="LiveId" clId="{6B8877FE-AF44-4210-82EF-225C89579D75}" dt="2024-10-01T06:34:54.912" v="995"/>
+          <ac:chgData name="Bo Tang" userId="332dbdf67b1791cd" providerId="LiveId" clId="{6B8877FE-AF44-4210-82EF-225C89579D75}" dt="2024-10-01T07:06:20.782" v="1040" actId="20577"/>
           <ac:grpSpMkLst>
             <pc:docMk/>
             <pc:sldMk cId="1718999486" sldId="257"/>
@@ -891,7 +896,7 @@
           </ac:grpSpMkLst>
         </pc:grpChg>
         <pc:grpChg chg="mod topLvl">
-          <ac:chgData name="Bo Tang" userId="332dbdf67b1791cd" providerId="LiveId" clId="{6B8877FE-AF44-4210-82EF-225C89579D75}" dt="2024-10-01T06:34:54.912" v="995"/>
+          <ac:chgData name="Bo Tang" userId="332dbdf67b1791cd" providerId="LiveId" clId="{6B8877FE-AF44-4210-82EF-225C89579D75}" dt="2024-10-01T07:06:20.782" v="1040" actId="20577"/>
           <ac:grpSpMkLst>
             <pc:docMk/>
             <pc:sldMk cId="1718999486" sldId="257"/>
@@ -899,7 +904,7 @@
           </ac:grpSpMkLst>
         </pc:grpChg>
         <pc:grpChg chg="mod">
-          <ac:chgData name="Bo Tang" userId="332dbdf67b1791cd" providerId="LiveId" clId="{6B8877FE-AF44-4210-82EF-225C89579D75}" dt="2024-10-01T06:34:54.912" v="995"/>
+          <ac:chgData name="Bo Tang" userId="332dbdf67b1791cd" providerId="LiveId" clId="{6B8877FE-AF44-4210-82EF-225C89579D75}" dt="2024-10-01T07:06:20.782" v="1040" actId="20577"/>
           <ac:grpSpMkLst>
             <pc:docMk/>
             <pc:sldMk cId="1718999486" sldId="257"/>
@@ -907,7 +912,7 @@
           </ac:grpSpMkLst>
         </pc:grpChg>
         <pc:grpChg chg="mod topLvl">
-          <ac:chgData name="Bo Tang" userId="332dbdf67b1791cd" providerId="LiveId" clId="{6B8877FE-AF44-4210-82EF-225C89579D75}" dt="2024-10-01T06:34:54.912" v="995"/>
+          <ac:chgData name="Bo Tang" userId="332dbdf67b1791cd" providerId="LiveId" clId="{6B8877FE-AF44-4210-82EF-225C89579D75}" dt="2024-10-01T07:06:20.782" v="1040" actId="20577"/>
           <ac:grpSpMkLst>
             <pc:docMk/>
             <pc:sldMk cId="1718999486" sldId="257"/>
@@ -923,7 +928,7 @@
           </ac:grpSpMkLst>
         </pc:grpChg>
         <pc:cxnChg chg="mod topLvl">
-          <ac:chgData name="Bo Tang" userId="332dbdf67b1791cd" providerId="LiveId" clId="{6B8877FE-AF44-4210-82EF-225C89579D75}" dt="2024-10-01T06:34:54.912" v="995"/>
+          <ac:chgData name="Bo Tang" userId="332dbdf67b1791cd" providerId="LiveId" clId="{6B8877FE-AF44-4210-82EF-225C89579D75}" dt="2024-10-01T07:06:20.782" v="1040" actId="20577"/>
           <ac:cxnSpMkLst>
             <pc:docMk/>
             <pc:sldMk cId="1718999486" sldId="257"/>
@@ -931,7 +936,7 @@
           </ac:cxnSpMkLst>
         </pc:cxnChg>
         <pc:cxnChg chg="mod">
-          <ac:chgData name="Bo Tang" userId="332dbdf67b1791cd" providerId="LiveId" clId="{6B8877FE-AF44-4210-82EF-225C89579D75}" dt="2024-10-01T06:34:54.912" v="995"/>
+          <ac:chgData name="Bo Tang" userId="332dbdf67b1791cd" providerId="LiveId" clId="{6B8877FE-AF44-4210-82EF-225C89579D75}" dt="2024-10-01T07:06:20.782" v="1040" actId="20577"/>
           <ac:cxnSpMkLst>
             <pc:docMk/>
             <pc:sldMk cId="1718999486" sldId="257"/>
@@ -939,7 +944,7 @@
           </ac:cxnSpMkLst>
         </pc:cxnChg>
         <pc:cxnChg chg="mod">
-          <ac:chgData name="Bo Tang" userId="332dbdf67b1791cd" providerId="LiveId" clId="{6B8877FE-AF44-4210-82EF-225C89579D75}" dt="2024-10-01T06:34:54.912" v="995"/>
+          <ac:chgData name="Bo Tang" userId="332dbdf67b1791cd" providerId="LiveId" clId="{6B8877FE-AF44-4210-82EF-225C89579D75}" dt="2024-10-01T07:06:20.782" v="1040" actId="20577"/>
           <ac:cxnSpMkLst>
             <pc:docMk/>
             <pc:sldMk cId="1718999486" sldId="257"/>
@@ -947,7 +952,7 @@
           </ac:cxnSpMkLst>
         </pc:cxnChg>
         <pc:cxnChg chg="mod">
-          <ac:chgData name="Bo Tang" userId="332dbdf67b1791cd" providerId="LiveId" clId="{6B8877FE-AF44-4210-82EF-225C89579D75}" dt="2024-10-01T06:34:54.912" v="995"/>
+          <ac:chgData name="Bo Tang" userId="332dbdf67b1791cd" providerId="LiveId" clId="{6B8877FE-AF44-4210-82EF-225C89579D75}" dt="2024-10-01T07:06:20.782" v="1040" actId="20577"/>
           <ac:cxnSpMkLst>
             <pc:docMk/>
             <pc:sldMk cId="1718999486" sldId="257"/>
@@ -955,7 +960,7 @@
           </ac:cxnSpMkLst>
         </pc:cxnChg>
         <pc:cxnChg chg="mod">
-          <ac:chgData name="Bo Tang" userId="332dbdf67b1791cd" providerId="LiveId" clId="{6B8877FE-AF44-4210-82EF-225C89579D75}" dt="2024-10-01T06:34:54.912" v="995"/>
+          <ac:chgData name="Bo Tang" userId="332dbdf67b1791cd" providerId="LiveId" clId="{6B8877FE-AF44-4210-82EF-225C89579D75}" dt="2024-10-01T07:06:20.782" v="1040" actId="20577"/>
           <ac:cxnSpMkLst>
             <pc:docMk/>
             <pc:sldMk cId="1718999486" sldId="257"/>
@@ -963,7 +968,7 @@
           </ac:cxnSpMkLst>
         </pc:cxnChg>
         <pc:cxnChg chg="mod">
-          <ac:chgData name="Bo Tang" userId="332dbdf67b1791cd" providerId="LiveId" clId="{6B8877FE-AF44-4210-82EF-225C89579D75}" dt="2024-10-01T06:34:54.912" v="995"/>
+          <ac:chgData name="Bo Tang" userId="332dbdf67b1791cd" providerId="LiveId" clId="{6B8877FE-AF44-4210-82EF-225C89579D75}" dt="2024-10-01T07:06:20.782" v="1040" actId="20577"/>
           <ac:cxnSpMkLst>
             <pc:docMk/>
             <pc:sldMk cId="1718999486" sldId="257"/>
@@ -971,7 +976,7 @@
           </ac:cxnSpMkLst>
         </pc:cxnChg>
         <pc:cxnChg chg="mod">
-          <ac:chgData name="Bo Tang" userId="332dbdf67b1791cd" providerId="LiveId" clId="{6B8877FE-AF44-4210-82EF-225C89579D75}" dt="2024-10-01T06:34:54.912" v="995"/>
+          <ac:chgData name="Bo Tang" userId="332dbdf67b1791cd" providerId="LiveId" clId="{6B8877FE-AF44-4210-82EF-225C89579D75}" dt="2024-10-01T07:06:20.782" v="1040" actId="20577"/>
           <ac:cxnSpMkLst>
             <pc:docMk/>
             <pc:sldMk cId="1718999486" sldId="257"/>
@@ -979,7 +984,7 @@
           </ac:cxnSpMkLst>
         </pc:cxnChg>
         <pc:cxnChg chg="mod">
-          <ac:chgData name="Bo Tang" userId="332dbdf67b1791cd" providerId="LiveId" clId="{6B8877FE-AF44-4210-82EF-225C89579D75}" dt="2024-10-01T06:34:54.912" v="995"/>
+          <ac:chgData name="Bo Tang" userId="332dbdf67b1791cd" providerId="LiveId" clId="{6B8877FE-AF44-4210-82EF-225C89579D75}" dt="2024-10-01T07:06:20.782" v="1040" actId="20577"/>
           <ac:cxnSpMkLst>
             <pc:docMk/>
             <pc:sldMk cId="1718999486" sldId="257"/>
@@ -987,7 +992,7 @@
           </ac:cxnSpMkLst>
         </pc:cxnChg>
         <pc:cxnChg chg="mod">
-          <ac:chgData name="Bo Tang" userId="332dbdf67b1791cd" providerId="LiveId" clId="{6B8877FE-AF44-4210-82EF-225C89579D75}" dt="2024-10-01T06:34:54.912" v="995"/>
+          <ac:chgData name="Bo Tang" userId="332dbdf67b1791cd" providerId="LiveId" clId="{6B8877FE-AF44-4210-82EF-225C89579D75}" dt="2024-10-01T07:06:20.782" v="1040" actId="20577"/>
           <ac:cxnSpMkLst>
             <pc:docMk/>
             <pc:sldMk cId="1718999486" sldId="257"/>
@@ -995,7 +1000,7 @@
           </ac:cxnSpMkLst>
         </pc:cxnChg>
         <pc:cxnChg chg="mod">
-          <ac:chgData name="Bo Tang" userId="332dbdf67b1791cd" providerId="LiveId" clId="{6B8877FE-AF44-4210-82EF-225C89579D75}" dt="2024-10-01T06:34:54.912" v="995"/>
+          <ac:chgData name="Bo Tang" userId="332dbdf67b1791cd" providerId="LiveId" clId="{6B8877FE-AF44-4210-82EF-225C89579D75}" dt="2024-10-01T07:06:20.782" v="1040" actId="20577"/>
           <ac:cxnSpMkLst>
             <pc:docMk/>
             <pc:sldMk cId="1718999486" sldId="257"/>
@@ -1003,7 +1008,7 @@
           </ac:cxnSpMkLst>
         </pc:cxnChg>
         <pc:cxnChg chg="mod">
-          <ac:chgData name="Bo Tang" userId="332dbdf67b1791cd" providerId="LiveId" clId="{6B8877FE-AF44-4210-82EF-225C89579D75}" dt="2024-10-01T06:34:54.912" v="995"/>
+          <ac:chgData name="Bo Tang" userId="332dbdf67b1791cd" providerId="LiveId" clId="{6B8877FE-AF44-4210-82EF-225C89579D75}" dt="2024-10-01T07:06:20.782" v="1040" actId="20577"/>
           <ac:cxnSpMkLst>
             <pc:docMk/>
             <pc:sldMk cId="1718999486" sldId="257"/>
@@ -1011,7 +1016,7 @@
           </ac:cxnSpMkLst>
         </pc:cxnChg>
         <pc:cxnChg chg="mod">
-          <ac:chgData name="Bo Tang" userId="332dbdf67b1791cd" providerId="LiveId" clId="{6B8877FE-AF44-4210-82EF-225C89579D75}" dt="2024-10-01T06:34:54.912" v="995"/>
+          <ac:chgData name="Bo Tang" userId="332dbdf67b1791cd" providerId="LiveId" clId="{6B8877FE-AF44-4210-82EF-225C89579D75}" dt="2024-10-01T07:06:20.782" v="1040" actId="20577"/>
           <ac:cxnSpMkLst>
             <pc:docMk/>
             <pc:sldMk cId="1718999486" sldId="257"/>
@@ -1019,7 +1024,7 @@
           </ac:cxnSpMkLst>
         </pc:cxnChg>
         <pc:cxnChg chg="mod">
-          <ac:chgData name="Bo Tang" userId="332dbdf67b1791cd" providerId="LiveId" clId="{6B8877FE-AF44-4210-82EF-225C89579D75}" dt="2024-10-01T06:34:54.912" v="995"/>
+          <ac:chgData name="Bo Tang" userId="332dbdf67b1791cd" providerId="LiveId" clId="{6B8877FE-AF44-4210-82EF-225C89579D75}" dt="2024-10-01T07:06:20.782" v="1040" actId="20577"/>
           <ac:cxnSpMkLst>
             <pc:docMk/>
             <pc:sldMk cId="1718999486" sldId="257"/>
@@ -1027,7 +1032,7 @@
           </ac:cxnSpMkLst>
         </pc:cxnChg>
         <pc:cxnChg chg="mod">
-          <ac:chgData name="Bo Tang" userId="332dbdf67b1791cd" providerId="LiveId" clId="{6B8877FE-AF44-4210-82EF-225C89579D75}" dt="2024-10-01T06:34:54.912" v="995"/>
+          <ac:chgData name="Bo Tang" userId="332dbdf67b1791cd" providerId="LiveId" clId="{6B8877FE-AF44-4210-82EF-225C89579D75}" dt="2024-10-01T07:06:20.782" v="1040" actId="20577"/>
           <ac:cxnSpMkLst>
             <pc:docMk/>
             <pc:sldMk cId="1718999486" sldId="257"/>
@@ -1035,7 +1040,7 @@
           </ac:cxnSpMkLst>
         </pc:cxnChg>
         <pc:cxnChg chg="mod">
-          <ac:chgData name="Bo Tang" userId="332dbdf67b1791cd" providerId="LiveId" clId="{6B8877FE-AF44-4210-82EF-225C89579D75}" dt="2024-10-01T06:34:54.912" v="995"/>
+          <ac:chgData name="Bo Tang" userId="332dbdf67b1791cd" providerId="LiveId" clId="{6B8877FE-AF44-4210-82EF-225C89579D75}" dt="2024-10-01T07:06:20.782" v="1040" actId="20577"/>
           <ac:cxnSpMkLst>
             <pc:docMk/>
             <pc:sldMk cId="1718999486" sldId="257"/>
@@ -1043,7 +1048,7 @@
           </ac:cxnSpMkLst>
         </pc:cxnChg>
         <pc:cxnChg chg="mod">
-          <ac:chgData name="Bo Tang" userId="332dbdf67b1791cd" providerId="LiveId" clId="{6B8877FE-AF44-4210-82EF-225C89579D75}" dt="2024-10-01T06:34:54.912" v="995"/>
+          <ac:chgData name="Bo Tang" userId="332dbdf67b1791cd" providerId="LiveId" clId="{6B8877FE-AF44-4210-82EF-225C89579D75}" dt="2024-10-01T07:06:20.782" v="1040" actId="20577"/>
           <ac:cxnSpMkLst>
             <pc:docMk/>
             <pc:sldMk cId="1718999486" sldId="257"/>
@@ -1051,7 +1056,7 @@
           </ac:cxnSpMkLst>
         </pc:cxnChg>
         <pc:cxnChg chg="mod topLvl">
-          <ac:chgData name="Bo Tang" userId="332dbdf67b1791cd" providerId="LiveId" clId="{6B8877FE-AF44-4210-82EF-225C89579D75}" dt="2024-10-01T06:34:54.912" v="995"/>
+          <ac:chgData name="Bo Tang" userId="332dbdf67b1791cd" providerId="LiveId" clId="{6B8877FE-AF44-4210-82EF-225C89579D75}" dt="2024-10-01T07:06:20.782" v="1040" actId="20577"/>
           <ac:cxnSpMkLst>
             <pc:docMk/>
             <pc:sldMk cId="1718999486" sldId="257"/>
@@ -1059,7 +1064,7 @@
           </ac:cxnSpMkLst>
         </pc:cxnChg>
         <pc:cxnChg chg="mod topLvl">
-          <ac:chgData name="Bo Tang" userId="332dbdf67b1791cd" providerId="LiveId" clId="{6B8877FE-AF44-4210-82EF-225C89579D75}" dt="2024-10-01T06:34:54.912" v="995"/>
+          <ac:chgData name="Bo Tang" userId="332dbdf67b1791cd" providerId="LiveId" clId="{6B8877FE-AF44-4210-82EF-225C89579D75}" dt="2024-10-01T07:06:20.782" v="1040" actId="20577"/>
           <ac:cxnSpMkLst>
             <pc:docMk/>
             <pc:sldMk cId="1718999486" sldId="257"/>
@@ -1067,7 +1072,7 @@
           </ac:cxnSpMkLst>
         </pc:cxnChg>
         <pc:cxnChg chg="mod topLvl">
-          <ac:chgData name="Bo Tang" userId="332dbdf67b1791cd" providerId="LiveId" clId="{6B8877FE-AF44-4210-82EF-225C89579D75}" dt="2024-10-01T06:34:54.912" v="995"/>
+          <ac:chgData name="Bo Tang" userId="332dbdf67b1791cd" providerId="LiveId" clId="{6B8877FE-AF44-4210-82EF-225C89579D75}" dt="2024-10-01T07:06:20.782" v="1040" actId="20577"/>
           <ac:cxnSpMkLst>
             <pc:docMk/>
             <pc:sldMk cId="1718999486" sldId="257"/>
@@ -1075,7 +1080,7 @@
           </ac:cxnSpMkLst>
         </pc:cxnChg>
         <pc:cxnChg chg="mod topLvl">
-          <ac:chgData name="Bo Tang" userId="332dbdf67b1791cd" providerId="LiveId" clId="{6B8877FE-AF44-4210-82EF-225C89579D75}" dt="2024-10-01T06:34:54.912" v="995"/>
+          <ac:chgData name="Bo Tang" userId="332dbdf67b1791cd" providerId="LiveId" clId="{6B8877FE-AF44-4210-82EF-225C89579D75}" dt="2024-10-01T07:06:20.782" v="1040" actId="20577"/>
           <ac:cxnSpMkLst>
             <pc:docMk/>
             <pc:sldMk cId="1718999486" sldId="257"/>
@@ -1083,7 +1088,7 @@
           </ac:cxnSpMkLst>
         </pc:cxnChg>
         <pc:cxnChg chg="mod topLvl">
-          <ac:chgData name="Bo Tang" userId="332dbdf67b1791cd" providerId="LiveId" clId="{6B8877FE-AF44-4210-82EF-225C89579D75}" dt="2024-10-01T06:34:54.912" v="995"/>
+          <ac:chgData name="Bo Tang" userId="332dbdf67b1791cd" providerId="LiveId" clId="{6B8877FE-AF44-4210-82EF-225C89579D75}" dt="2024-10-01T07:06:20.782" v="1040" actId="20577"/>
           <ac:cxnSpMkLst>
             <pc:docMk/>
             <pc:sldMk cId="1718999486" sldId="257"/>
@@ -1091,7 +1096,7 @@
           </ac:cxnSpMkLst>
         </pc:cxnChg>
         <pc:cxnChg chg="mod topLvl">
-          <ac:chgData name="Bo Tang" userId="332dbdf67b1791cd" providerId="LiveId" clId="{6B8877FE-AF44-4210-82EF-225C89579D75}" dt="2024-10-01T06:34:54.912" v="995"/>
+          <ac:chgData name="Bo Tang" userId="332dbdf67b1791cd" providerId="LiveId" clId="{6B8877FE-AF44-4210-82EF-225C89579D75}" dt="2024-10-01T07:06:20.782" v="1040" actId="20577"/>
           <ac:cxnSpMkLst>
             <pc:docMk/>
             <pc:sldMk cId="1718999486" sldId="257"/>
@@ -1099,7 +1104,7 @@
           </ac:cxnSpMkLst>
         </pc:cxnChg>
         <pc:cxnChg chg="mod topLvl">
-          <ac:chgData name="Bo Tang" userId="332dbdf67b1791cd" providerId="LiveId" clId="{6B8877FE-AF44-4210-82EF-225C89579D75}" dt="2024-10-01T06:34:54.912" v="995"/>
+          <ac:chgData name="Bo Tang" userId="332dbdf67b1791cd" providerId="LiveId" clId="{6B8877FE-AF44-4210-82EF-225C89579D75}" dt="2024-10-01T07:06:20.782" v="1040" actId="20577"/>
           <ac:cxnSpMkLst>
             <pc:docMk/>
             <pc:sldMk cId="1718999486" sldId="257"/>
@@ -5109,8 +5114,8 @@
               <a:chExt cx="3352800" cy="1002784"/>
             </a:xfrm>
           </p:grpSpPr>
-          <mc:AlternateContent xmlns:mc="http://schemas.openxmlformats.org/markup-compatibility/2006">
-            <mc:Choice xmlns:a14="http://schemas.microsoft.com/office/drawing/2010/main" Requires="a14">
+          <mc:AlternateContent xmlns:mc="http://schemas.openxmlformats.org/markup-compatibility/2006" xmlns:a14="http://schemas.microsoft.com/office/drawing/2010/main">
+            <mc:Choice Requires="a14">
               <p:sp>
                 <p:nvSpPr>
                   <p:cNvPr id="4" name="TextBox 3">
@@ -5139,6 +5144,7 @@
                   </a:bodyPr>
                   <a:lstStyle/>
                   <a:p>
+                    <a:pPr/>
                     <a14:m>
                       <m:oMathPara xmlns:m="http://schemas.openxmlformats.org/officeDocument/2006/math">
                         <m:oMathParaPr>
@@ -5432,6 +5438,7 @@
                     </a:endParaRPr>
                   </a:p>
                   <a:p>
+                    <a:pPr/>
                     <a14:m>
                       <m:oMathPara xmlns:m="http://schemas.openxmlformats.org/officeDocument/2006/math">
                         <m:oMathParaPr>
@@ -5666,7 +5673,7 @@
                 </p:txBody>
               </p:sp>
             </mc:Choice>
-            <mc:Fallback>
+            <mc:Fallback xmlns="">
               <p:sp>
                 <p:nvSpPr>
                   <p:cNvPr id="4" name="TextBox 3">
@@ -5764,8 +5771,8 @@
             </p:txBody>
           </p:sp>
         </p:grpSp>
-        <mc:AlternateContent xmlns:mc="http://schemas.openxmlformats.org/markup-compatibility/2006">
-          <mc:Choice xmlns:a14="http://schemas.microsoft.com/office/drawing/2010/main" Requires="a14">
+        <mc:AlternateContent xmlns:mc="http://schemas.openxmlformats.org/markup-compatibility/2006" xmlns:a14="http://schemas.microsoft.com/office/drawing/2010/main">
+          <mc:Choice Requires="a14">
             <p:sp>
               <p:nvSpPr>
                 <p:cNvPr id="8" name="TextBox 7">
@@ -5868,7 +5875,7 @@
               </p:txBody>
             </p:sp>
           </mc:Choice>
-          <mc:Fallback>
+          <mc:Fallback xmlns="">
             <p:sp>
               <p:nvSpPr>
                 <p:cNvPr id="8" name="TextBox 7">
@@ -5957,8 +5964,8 @@
             </a:fontRef>
           </p:style>
         </p:cxnSp>
-        <mc:AlternateContent xmlns:mc="http://schemas.openxmlformats.org/markup-compatibility/2006">
-          <mc:Choice xmlns:a14="http://schemas.microsoft.com/office/drawing/2010/main" Requires="a14">
+        <mc:AlternateContent xmlns:mc="http://schemas.openxmlformats.org/markup-compatibility/2006" xmlns:a14="http://schemas.microsoft.com/office/drawing/2010/main">
+          <mc:Choice Requires="a14">
             <p:sp>
               <p:nvSpPr>
                 <p:cNvPr id="16" name="TextBox 15">
@@ -6125,7 +6132,7 @@
               </p:txBody>
             </p:sp>
           </mc:Choice>
-          <mc:Fallback>
+          <mc:Fallback xmlns="">
             <p:sp>
               <p:nvSpPr>
                 <p:cNvPr id="16" name="TextBox 15">
@@ -6214,8 +6221,8 @@
             </a:fontRef>
           </p:style>
         </p:cxnSp>
-        <mc:AlternateContent xmlns:mc="http://schemas.openxmlformats.org/markup-compatibility/2006">
-          <mc:Choice xmlns:a14="http://schemas.microsoft.com/office/drawing/2010/main" Requires="a14">
+        <mc:AlternateContent xmlns:mc="http://schemas.openxmlformats.org/markup-compatibility/2006" xmlns:a14="http://schemas.microsoft.com/office/drawing/2010/main">
+          <mc:Choice Requires="a14">
             <p:sp>
               <p:nvSpPr>
                 <p:cNvPr id="45" name="TextBox 44">
@@ -6312,27 +6319,7 @@
                           <a:latin typeface="Cambria Math" panose="02040503050406030204" pitchFamily="18" charset="0"/>
                           <a:cs typeface="Times New Roman" panose="02020603050405020304" pitchFamily="18" charset="0"/>
                         </a:rPr>
-                        <m:t>=−</m:t>
-                      </m:r>
-                      <m:r>
-                        <a:rPr lang="en-US" i="1">
-                          <a:solidFill>
-                            <a:srgbClr val="002060"/>
-                          </a:solidFill>
-                          <a:latin typeface="Cambria Math" panose="02040503050406030204" pitchFamily="18" charset="0"/>
-                          <a:cs typeface="Times New Roman" panose="02020603050405020304" pitchFamily="18" charset="0"/>
-                        </a:rPr>
-                        <m:t>1.17</m:t>
-                      </m:r>
-                      <m:r>
-                        <a:rPr lang="en-US" i="1">
-                          <a:solidFill>
-                            <a:srgbClr val="002060"/>
-                          </a:solidFill>
-                          <a:latin typeface="Cambria Math" panose="02040503050406030204" pitchFamily="18" charset="0"/>
-                          <a:cs typeface="Times New Roman" panose="02020603050405020304" pitchFamily="18" charset="0"/>
-                        </a:rPr>
-                        <m:t>,</m:t>
+                        <m:t>=−1.17,</m:t>
                       </m:r>
                       <m:acc>
                         <m:accPr>
@@ -6368,27 +6355,7 @@
                           <a:latin typeface="Cambria Math" panose="02040503050406030204" pitchFamily="18" charset="0"/>
                           <a:cs typeface="Times New Roman" panose="02020603050405020304" pitchFamily="18" charset="0"/>
                         </a:rPr>
-                        <m:t>=</m:t>
-                      </m:r>
-                      <m:r>
-                        <a:rPr lang="en-US" i="1">
-                          <a:solidFill>
-                            <a:srgbClr val="002060"/>
-                          </a:solidFill>
-                          <a:latin typeface="Cambria Math" panose="02040503050406030204" pitchFamily="18" charset="0"/>
-                          <a:cs typeface="Times New Roman" panose="02020603050405020304" pitchFamily="18" charset="0"/>
-                        </a:rPr>
-                        <m:t>2.9</m:t>
-                      </m:r>
-                      <m:r>
-                        <a:rPr lang="en-US" i="1">
-                          <a:solidFill>
-                            <a:srgbClr val="002060"/>
-                          </a:solidFill>
-                          <a:latin typeface="Cambria Math" panose="02040503050406030204" pitchFamily="18" charset="0"/>
-                          <a:cs typeface="Times New Roman" panose="02020603050405020304" pitchFamily="18" charset="0"/>
-                        </a:rPr>
-                        <m:t>8</m:t>
+                        <m:t>=2.98</m:t>
                       </m:r>
                     </m:oMath>
                   </a14:m>
@@ -6406,7 +6373,7 @@
               </p:txBody>
             </p:sp>
           </mc:Choice>
-          <mc:Fallback>
+          <mc:Fallback xmlns="">
             <p:sp>
               <p:nvSpPr>
                 <p:cNvPr id="45" name="TextBox 44">
@@ -7590,8 +7557,8 @@
               </p:style>
             </p:cxnSp>
           </p:grpSp>
-          <mc:AlternateContent xmlns:mc="http://schemas.openxmlformats.org/markup-compatibility/2006">
-            <mc:Choice xmlns:a14="http://schemas.microsoft.com/office/drawing/2010/main" Requires="a14">
+          <mc:AlternateContent xmlns:mc="http://schemas.openxmlformats.org/markup-compatibility/2006" xmlns:a14="http://schemas.microsoft.com/office/drawing/2010/main">
+            <mc:Choice Requires="a14">
               <p:sp>
                 <p:nvSpPr>
                   <p:cNvPr id="48" name="TextBox 47">
@@ -7726,7 +7693,7 @@
                 </p:txBody>
               </p:sp>
             </mc:Choice>
-            <mc:Fallback>
+            <mc:Fallback xmlns="">
               <p:sp>
                 <p:nvSpPr>
                   <p:cNvPr id="48" name="TextBox 47">
@@ -7905,8 +7872,8 @@
             </a:fontRef>
           </p:style>
         </p:cxnSp>
-        <mc:AlternateContent xmlns:mc="http://schemas.openxmlformats.org/markup-compatibility/2006">
-          <mc:Choice xmlns:a14="http://schemas.microsoft.com/office/drawing/2010/main" Requires="a14">
+        <mc:AlternateContent xmlns:mc="http://schemas.openxmlformats.org/markup-compatibility/2006" xmlns:a14="http://schemas.microsoft.com/office/drawing/2010/main">
+          <mc:Choice Requires="a14">
             <p:sp>
               <p:nvSpPr>
                 <p:cNvPr id="66" name="TextBox 65">
@@ -7947,6 +7914,7 @@
                   </a:r>
                 </a:p>
                 <a:p>
+                  <a:pPr/>
                   <a14:m>
                     <m:oMathPara xmlns:m="http://schemas.openxmlformats.org/officeDocument/2006/math">
                       <m:oMathParaPr>
@@ -8061,7 +8029,7 @@
               </p:txBody>
             </p:sp>
           </mc:Choice>
-          <mc:Fallback>
+          <mc:Fallback xmlns="">
             <p:sp>
               <p:nvSpPr>
                 <p:cNvPr id="66" name="TextBox 65">
@@ -8208,10 +8176,10 @@
           </p:nvGrpSpPr>
           <p:grpSpPr>
             <a:xfrm>
-              <a:off x="3460462" y="4277861"/>
-              <a:ext cx="5734423" cy="961102"/>
-              <a:chOff x="3460462" y="4277861"/>
-              <a:chExt cx="5734423" cy="961102"/>
+              <a:off x="3077058" y="4277861"/>
+              <a:ext cx="6155184" cy="961102"/>
+              <a:chOff x="3077058" y="4277861"/>
+              <a:chExt cx="6155184" cy="961102"/>
             </a:xfrm>
           </p:grpSpPr>
           <p:grpSp>
@@ -8228,10 +8196,10 @@
             </p:nvGrpSpPr>
             <p:grpSpPr>
               <a:xfrm>
-                <a:off x="3531121" y="4412282"/>
-                <a:ext cx="5585990" cy="688009"/>
-                <a:chOff x="1998682" y="4644066"/>
-                <a:chExt cx="5585990" cy="688009"/>
+                <a:off x="3147717" y="4412282"/>
+                <a:ext cx="6084525" cy="688009"/>
+                <a:chOff x="1615278" y="4644066"/>
+                <a:chExt cx="6084525" cy="688009"/>
               </a:xfrm>
             </p:grpSpPr>
             <mc:AlternateContent xmlns:mc="http://schemas.openxmlformats.org/markup-compatibility/2006">
@@ -8250,7 +8218,7 @@
                   </p:nvSpPr>
                   <p:spPr>
                     <a:xfrm>
-                      <a:off x="1998682" y="4664906"/>
+                      <a:off x="1615278" y="4664906"/>
                       <a:ext cx="2595903" cy="646331"/>
                     </a:xfrm>
                     <a:prstGeom prst="rect">
@@ -8276,6 +8244,7 @@
                       </a:r>
                     </a:p>
                     <a:p>
+                      <a:pPr/>
                       <a14:m>
                         <m:oMathPara xmlns:m="http://schemas.openxmlformats.org/officeDocument/2006/math">
                           <m:oMathParaPr>
@@ -8432,7 +8401,7 @@
                   </p:nvSpPr>
                   <p:spPr>
                     <a:xfrm>
-                      <a:off x="1998682" y="4664906"/>
+                      <a:off x="1615278" y="4664906"/>
                       <a:ext cx="2595903" cy="646331"/>
                     </a:xfrm>
                     <a:prstGeom prst="rect">
@@ -8476,8 +8445,8 @@
                   </p:nvSpPr>
                   <p:spPr>
                     <a:xfrm>
-                      <a:off x="4697087" y="4644066"/>
-                      <a:ext cx="2887585" cy="688009"/>
+                      <a:off x="4313683" y="4644066"/>
+                      <a:ext cx="3386120" cy="688009"/>
                     </a:xfrm>
                     <a:prstGeom prst="rect">
                       <a:avLst/>
@@ -8597,19 +8566,6 @@
                             </a:rPr>
                             <m:t>≥0→</m:t>
                           </m:r>
-                        </m:oMath>
-                      </a14:m>
-                      <a:r>
-                        <a:rPr lang="en-US" dirty="0">
-                          <a:solidFill>
-                            <a:srgbClr val="002060"/>
-                          </a:solidFill>
-                          <a:cs typeface="Times New Roman" panose="02020603050405020304" pitchFamily="18" charset="0"/>
-                        </a:rPr>
-                        <a:t> </a:t>
-                      </a:r>
-                      <a14:m>
-                        <m:oMath xmlns:m="http://schemas.openxmlformats.org/officeDocument/2006/math">
                           <m:acc>
                             <m:accPr>
                               <m:chr m:val="̂"/>
@@ -8692,15 +8648,28 @@
                               </m:acc>
                             </m:e>
                           </m:d>
+                          <m:r>
+                            <a:rPr lang="en-US" b="0" i="1" smtClean="0">
+                              <a:solidFill>
+                                <a:srgbClr val="002060"/>
+                              </a:solidFill>
+                              <a:latin typeface="Cambria Math" panose="02040503050406030204" pitchFamily="18" charset="0"/>
+                              <a:cs typeface="Times New Roman" panose="02020603050405020304" pitchFamily="18" charset="0"/>
+                            </a:rPr>
+                            <m:t>=3</m:t>
+                          </m:r>
                         </m:oMath>
                       </a14:m>
-                      <a:endParaRPr lang="en-US" dirty="0">
-                        <a:solidFill>
-                          <a:srgbClr val="002060"/>
-                        </a:solidFill>
-                        <a:latin typeface="Cambria Math" panose="02040503050406030204" pitchFamily="18" charset="0"/>
-                        <a:cs typeface="Times New Roman" panose="02020603050405020304" pitchFamily="18" charset="0"/>
-                      </a:endParaRPr>
+                      <a:r>
+                        <a:rPr lang="en-US" dirty="0">
+                          <a:solidFill>
+                            <a:srgbClr val="002060"/>
+                          </a:solidFill>
+                          <a:latin typeface="Cambria Math" panose="02040503050406030204" pitchFamily="18" charset="0"/>
+                          <a:cs typeface="Times New Roman" panose="02020603050405020304" pitchFamily="18" charset="0"/>
+                        </a:rPr>
+                        <a:t> </a:t>
+                      </a:r>
                     </a:p>
                   </p:txBody>
                 </p:sp>
@@ -8722,8 +8691,8 @@
                   </p:nvSpPr>
                   <p:spPr>
                     <a:xfrm>
-                      <a:off x="4697087" y="4644066"/>
-                      <a:ext cx="2887585" cy="688009"/>
+                      <a:off x="4313683" y="4644066"/>
+                      <a:ext cx="3386120" cy="688009"/>
                     </a:xfrm>
                     <a:prstGeom prst="rect">
                       <a:avLst/>
@@ -8731,7 +8700,7 @@
                     <a:blipFill>
                       <a:blip r:embed="rId9"/>
                       <a:stretch>
-                        <a:fillRect l="-1688" t="-5310" r="-5063" b="-3540"/>
+                        <a:fillRect l="-1622" t="-5310" b="-3540"/>
                       </a:stretch>
                     </a:blipFill>
                   </p:spPr>
@@ -8765,8 +8734,8 @@
             </p:nvSpPr>
             <p:spPr>
               <a:xfrm>
-                <a:off x="3460462" y="4277861"/>
-                <a:ext cx="5734423" cy="961102"/>
+                <a:off x="3077058" y="4277861"/>
+                <a:ext cx="6083500" cy="961102"/>
               </a:xfrm>
               <a:prstGeom prst="rect">
                 <a:avLst/>
@@ -8848,8 +8817,8 @@
             </a:fontRef>
           </p:style>
         </p:cxnSp>
-        <mc:AlternateContent xmlns:mc="http://schemas.openxmlformats.org/markup-compatibility/2006">
-          <mc:Choice xmlns:a14="http://schemas.microsoft.com/office/drawing/2010/main" Requires="a14">
+        <mc:AlternateContent xmlns:mc="http://schemas.openxmlformats.org/markup-compatibility/2006" xmlns:a14="http://schemas.microsoft.com/office/drawing/2010/main">
+          <mc:Choice Requires="a14">
             <p:sp>
               <p:nvSpPr>
                 <p:cNvPr id="92" name="TextBox 91">
@@ -9046,7 +9015,7 @@
               </p:txBody>
             </p:sp>
           </mc:Choice>
-          <mc:Fallback>
+          <mc:Fallback xmlns="">
             <p:sp>
               <p:nvSpPr>
                 <p:cNvPr id="92" name="TextBox 91">
@@ -9162,8 +9131,8 @@
               <a:chExt cx="3352800" cy="1002784"/>
             </a:xfrm>
           </p:grpSpPr>
-          <mc:AlternateContent xmlns:mc="http://schemas.openxmlformats.org/markup-compatibility/2006">
-            <mc:Choice xmlns:a14="http://schemas.microsoft.com/office/drawing/2010/main" Requires="a14">
+          <mc:AlternateContent xmlns:mc="http://schemas.openxmlformats.org/markup-compatibility/2006" xmlns:a14="http://schemas.microsoft.com/office/drawing/2010/main">
+            <mc:Choice Requires="a14">
               <p:sp>
                 <p:nvSpPr>
                   <p:cNvPr id="4" name="TextBox 3">
@@ -9721,7 +9690,7 @@
                 </p:txBody>
               </p:sp>
             </mc:Choice>
-            <mc:Fallback>
+            <mc:Fallback xmlns="">
               <p:sp>
                 <p:nvSpPr>
                   <p:cNvPr id="4" name="TextBox 3">
@@ -9819,8 +9788,8 @@
             </p:txBody>
           </p:sp>
         </p:grpSp>
-        <mc:AlternateContent xmlns:mc="http://schemas.openxmlformats.org/markup-compatibility/2006">
-          <mc:Choice xmlns:a14="http://schemas.microsoft.com/office/drawing/2010/main" Requires="a14">
+        <mc:AlternateContent xmlns:mc="http://schemas.openxmlformats.org/markup-compatibility/2006" xmlns:a14="http://schemas.microsoft.com/office/drawing/2010/main">
+          <mc:Choice Requires="a14">
             <p:sp>
               <p:nvSpPr>
                 <p:cNvPr id="8" name="TextBox 7">
@@ -9923,7 +9892,7 @@
               </p:txBody>
             </p:sp>
           </mc:Choice>
-          <mc:Fallback>
+          <mc:Fallback xmlns="">
             <p:sp>
               <p:nvSpPr>
                 <p:cNvPr id="8" name="TextBox 7">
@@ -10012,8 +9981,8 @@
             </a:fontRef>
           </p:style>
         </p:cxnSp>
-        <mc:AlternateContent xmlns:mc="http://schemas.openxmlformats.org/markup-compatibility/2006">
-          <mc:Choice xmlns:a14="http://schemas.microsoft.com/office/drawing/2010/main" Requires="a14">
+        <mc:AlternateContent xmlns:mc="http://schemas.openxmlformats.org/markup-compatibility/2006" xmlns:a14="http://schemas.microsoft.com/office/drawing/2010/main">
+          <mc:Choice Requires="a14">
             <p:sp>
               <p:nvSpPr>
                 <p:cNvPr id="16" name="TextBox 15">
@@ -10180,7 +10149,7 @@
               </p:txBody>
             </p:sp>
           </mc:Choice>
-          <mc:Fallback>
+          <mc:Fallback xmlns="">
             <p:sp>
               <p:nvSpPr>
                 <p:cNvPr id="16" name="TextBox 15">
@@ -10269,8 +10238,8 @@
             </a:fontRef>
           </p:style>
         </p:cxnSp>
-        <mc:AlternateContent xmlns:mc="http://schemas.openxmlformats.org/markup-compatibility/2006">
-          <mc:Choice xmlns:a14="http://schemas.microsoft.com/office/drawing/2010/main" Requires="a14">
+        <mc:AlternateContent xmlns:mc="http://schemas.openxmlformats.org/markup-compatibility/2006" xmlns:a14="http://schemas.microsoft.com/office/drawing/2010/main">
+          <mc:Choice Requires="a14">
             <p:sp>
               <p:nvSpPr>
                 <p:cNvPr id="45" name="TextBox 44">
@@ -10367,27 +10336,7 @@
                           <a:latin typeface="Cambria Math" panose="02040503050406030204" pitchFamily="18" charset="0"/>
                           <a:cs typeface="Times New Roman" panose="02020603050405020304" pitchFamily="18" charset="0"/>
                         </a:rPr>
-                        <m:t>=−</m:t>
-                      </m:r>
-                      <m:r>
-                        <a:rPr lang="en-US" i="1">
-                          <a:solidFill>
-                            <a:srgbClr val="002060"/>
-                          </a:solidFill>
-                          <a:latin typeface="Cambria Math" panose="02040503050406030204" pitchFamily="18" charset="0"/>
-                          <a:cs typeface="Times New Roman" panose="02020603050405020304" pitchFamily="18" charset="0"/>
-                        </a:rPr>
-                        <m:t>1.14</m:t>
-                      </m:r>
-                      <m:r>
-                        <a:rPr lang="en-US" i="1">
-                          <a:solidFill>
-                            <a:srgbClr val="002060"/>
-                          </a:solidFill>
-                          <a:latin typeface="Cambria Math" panose="02040503050406030204" pitchFamily="18" charset="0"/>
-                          <a:cs typeface="Times New Roman" panose="02020603050405020304" pitchFamily="18" charset="0"/>
-                        </a:rPr>
-                        <m:t>,</m:t>
+                        <m:t>=−1.14,</m:t>
                       </m:r>
                       <m:acc>
                         <m:accPr>
@@ -10423,17 +10372,7 @@
                           <a:latin typeface="Cambria Math" panose="02040503050406030204" pitchFamily="18" charset="0"/>
                           <a:cs typeface="Times New Roman" panose="02020603050405020304" pitchFamily="18" charset="0"/>
                         </a:rPr>
-                        <m:t>=</m:t>
-                      </m:r>
-                      <m:r>
-                        <a:rPr lang="en-US" i="1">
-                          <a:solidFill>
-                            <a:srgbClr val="002060"/>
-                          </a:solidFill>
-                          <a:latin typeface="Cambria Math" panose="02040503050406030204" pitchFamily="18" charset="0"/>
-                          <a:cs typeface="Times New Roman" panose="02020603050405020304" pitchFamily="18" charset="0"/>
-                        </a:rPr>
-                        <m:t>3.09</m:t>
+                        <m:t>=3.09</m:t>
                       </m:r>
                     </m:oMath>
                   </a14:m>
@@ -10451,7 +10390,7 @@
               </p:txBody>
             </p:sp>
           </mc:Choice>
-          <mc:Fallback>
+          <mc:Fallback xmlns="">
             <p:sp>
               <p:nvSpPr>
                 <p:cNvPr id="45" name="TextBox 44">
@@ -11635,8 +11574,8 @@
               </p:style>
             </p:cxnSp>
           </p:grpSp>
-          <mc:AlternateContent xmlns:mc="http://schemas.openxmlformats.org/markup-compatibility/2006">
-            <mc:Choice xmlns:a14="http://schemas.microsoft.com/office/drawing/2010/main" Requires="a14">
+          <mc:AlternateContent xmlns:mc="http://schemas.openxmlformats.org/markup-compatibility/2006" xmlns:a14="http://schemas.microsoft.com/office/drawing/2010/main">
+            <mc:Choice Requires="a14">
               <p:sp>
                 <p:nvSpPr>
                   <p:cNvPr id="48" name="TextBox 47">
@@ -11771,7 +11710,7 @@
                 </p:txBody>
               </p:sp>
             </mc:Choice>
-            <mc:Fallback>
+            <mc:Fallback xmlns="">
               <p:sp>
                 <p:nvSpPr>
                   <p:cNvPr id="48" name="TextBox 47">
@@ -11950,8 +11889,8 @@
             </a:fontRef>
           </p:style>
         </p:cxnSp>
-        <mc:AlternateContent xmlns:mc="http://schemas.openxmlformats.org/markup-compatibility/2006">
-          <mc:Choice xmlns:a14="http://schemas.microsoft.com/office/drawing/2010/main" Requires="a14">
+        <mc:AlternateContent xmlns:mc="http://schemas.openxmlformats.org/markup-compatibility/2006" xmlns:a14="http://schemas.microsoft.com/office/drawing/2010/main">
+          <mc:Choice Requires="a14">
             <p:sp>
               <p:nvSpPr>
                 <p:cNvPr id="66" name="TextBox 65">
@@ -11992,7 +11931,6 @@
                   </a:r>
                 </a:p>
                 <a:p>
-                  <a:pPr/>
                   <a14:m>
                     <m:oMath xmlns:m="http://schemas.openxmlformats.org/officeDocument/2006/math">
                       <m:sSub>
@@ -12040,27 +11978,7 @@
                           <a:latin typeface="Cambria Math" panose="02040503050406030204" pitchFamily="18" charset="0"/>
                           <a:cs typeface="Times New Roman" panose="02020603050405020304" pitchFamily="18" charset="0"/>
                         </a:rPr>
-                        <m:t>=−</m:t>
-                      </m:r>
-                      <m:r>
-                        <a:rPr lang="en-US" i="1">
-                          <a:solidFill>
-                            <a:srgbClr val="002060"/>
-                          </a:solidFill>
-                          <a:latin typeface="Cambria Math" panose="02040503050406030204" pitchFamily="18" charset="0"/>
-                          <a:cs typeface="Times New Roman" panose="02020603050405020304" pitchFamily="18" charset="0"/>
-                        </a:rPr>
-                        <m:t>0.6</m:t>
-                      </m:r>
-                      <m:r>
-                        <a:rPr lang="en-US" i="1">
-                          <a:solidFill>
-                            <a:srgbClr val="002060"/>
-                          </a:solidFill>
-                          <a:latin typeface="Cambria Math" panose="02040503050406030204" pitchFamily="18" charset="0"/>
-                          <a:cs typeface="Times New Roman" panose="02020603050405020304" pitchFamily="18" charset="0"/>
-                        </a:rPr>
-                        <m:t>9,</m:t>
+                        <m:t>=−0.69,</m:t>
                       </m:r>
                       <m:sSub>
                         <m:sSubPr>
@@ -12125,7 +12043,7 @@
               </p:txBody>
             </p:sp>
           </mc:Choice>
-          <mc:Fallback>
+          <mc:Fallback xmlns="">
             <p:sp>
               <p:nvSpPr>
                 <p:cNvPr id="66" name="TextBox 65">
@@ -12293,13 +12211,13 @@
             <p:grpSpPr>
               <a:xfrm>
                 <a:off x="2441326" y="4426237"/>
-                <a:ext cx="5177097" cy="965008"/>
+                <a:ext cx="5538030" cy="965008"/>
                 <a:chOff x="1998682" y="4622294"/>
-                <a:chExt cx="5177097" cy="965008"/>
+                <a:chExt cx="5538030" cy="965008"/>
               </a:xfrm>
             </p:grpSpPr>
-            <mc:AlternateContent xmlns:mc="http://schemas.openxmlformats.org/markup-compatibility/2006">
-              <mc:Choice xmlns:a14="http://schemas.microsoft.com/office/drawing/2010/main" Requires="a14">
+            <mc:AlternateContent xmlns:mc="http://schemas.openxmlformats.org/markup-compatibility/2006" xmlns:a14="http://schemas.microsoft.com/office/drawing/2010/main">
+              <mc:Choice Requires="a14">
                 <p:sp>
                   <p:nvSpPr>
                     <p:cNvPr id="77" name="TextBox 76">
@@ -12340,7 +12258,6 @@
                       </a:r>
                     </a:p>
                     <a:p>
-                      <a:pPr/>
                       <a14:m>
                         <m:oMath xmlns:m="http://schemas.openxmlformats.org/officeDocument/2006/math">
                           <m:sSub>
@@ -12460,27 +12377,7 @@
                               <a:latin typeface="Cambria Math" panose="02040503050406030204" pitchFamily="18" charset="0"/>
                               <a:cs typeface="Times New Roman" panose="02020603050405020304" pitchFamily="18" charset="0"/>
                             </a:rPr>
-                            <m:t>=−</m:t>
-                          </m:r>
-                          <m:r>
-                            <a:rPr lang="en-US" i="1">
-                              <a:solidFill>
-                                <a:srgbClr val="002060"/>
-                              </a:solidFill>
-                              <a:latin typeface="Cambria Math" panose="02040503050406030204" pitchFamily="18" charset="0"/>
-                              <a:cs typeface="Times New Roman" panose="02020603050405020304" pitchFamily="18" charset="0"/>
-                            </a:rPr>
-                            <m:t>1.8</m:t>
-                          </m:r>
-                          <m:r>
-                            <a:rPr lang="en-US" i="1">
-                              <a:solidFill>
-                                <a:srgbClr val="002060"/>
-                              </a:solidFill>
-                              <a:latin typeface="Cambria Math" panose="02040503050406030204" pitchFamily="18" charset="0"/>
-                              <a:cs typeface="Times New Roman" panose="02020603050405020304" pitchFamily="18" charset="0"/>
-                            </a:rPr>
-                            <m:t>3</m:t>
+                            <m:t>=−1.83</m:t>
                           </m:r>
                         </m:oMath>
                       </a14:m>
@@ -12498,7 +12395,7 @@
                   </p:txBody>
                 </p:sp>
               </mc:Choice>
-              <mc:Fallback>
+              <mc:Fallback xmlns="">
                 <p:sp>
                   <p:nvSpPr>
                     <p:cNvPr id="77" name="TextBox 76">
@@ -12560,7 +12457,7 @@
                   <p:spPr>
                     <a:xfrm>
                       <a:off x="4697087" y="4622294"/>
-                      <a:ext cx="2478692" cy="965008"/>
+                      <a:ext cx="2839625" cy="965008"/>
                     </a:xfrm>
                     <a:prstGeom prst="rect">
                       <a:avLst/>
@@ -12704,212 +12601,224 @@
                     </a:p>
                     <a:p>
                       <a14:m>
-                        <m:oMath xmlns:m="http://schemas.openxmlformats.org/officeDocument/2006/math">
-                          <m:acc>
-                            <m:accPr>
-                              <m:chr m:val="̅"/>
-                              <m:ctrlPr>
-                                <a:rPr lang="en-US" i="1">
-                                  <a:solidFill>
-                                    <a:srgbClr val="002060"/>
-                                  </a:solidFill>
-                                  <a:latin typeface="Cambria Math" panose="02040503050406030204" pitchFamily="18" charset="0"/>
-                                  <a:cs typeface="Times New Roman" panose="02020603050405020304" pitchFamily="18" charset="0"/>
-                                </a:rPr>
-                              </m:ctrlPr>
-                            </m:accPr>
-                            <m:e>
-                              <m:r>
-                                <a:rPr lang="en-US" i="1">
-                                  <a:solidFill>
-                                    <a:srgbClr val="002060"/>
-                                  </a:solidFill>
-                                  <a:latin typeface="Cambria Math" panose="02040503050406030204" pitchFamily="18" charset="0"/>
-                                  <a:cs typeface="Times New Roman" panose="02020603050405020304" pitchFamily="18" charset="0"/>
-                                </a:rPr>
-                                <m:t>𝑦</m:t>
-                              </m:r>
-                            </m:e>
-                          </m:acc>
-                          <m:r>
-                            <a:rPr lang="en-US">
-                              <a:solidFill>
-                                <a:srgbClr val="002060"/>
-                              </a:solidFill>
-                              <a:latin typeface="Cambria Math" panose="02040503050406030204" pitchFamily="18" charset="0"/>
-                              <a:cs typeface="Times New Roman" panose="02020603050405020304" pitchFamily="18" charset="0"/>
-                            </a:rPr>
-                            <m:t>−</m:t>
-                          </m:r>
-                          <m:d>
-                            <m:dPr>
-                              <m:begChr m:val="⌊"/>
-                              <m:endChr m:val="⌋"/>
-                              <m:ctrlPr>
-                                <a:rPr lang="en-US" i="1">
-                                  <a:solidFill>
-                                    <a:srgbClr val="002060"/>
-                                  </a:solidFill>
-                                  <a:latin typeface="Cambria Math" panose="02040503050406030204" pitchFamily="18" charset="0"/>
-                                  <a:cs typeface="Times New Roman" panose="02020603050405020304" pitchFamily="18" charset="0"/>
-                                </a:rPr>
-                              </m:ctrlPr>
-                            </m:dPr>
-                            <m:e>
-                              <m:acc>
-                                <m:accPr>
-                                  <m:chr m:val="̅"/>
-                                  <m:ctrlPr>
-                                    <a:rPr lang="en-US" i="1">
-                                      <a:solidFill>
-                                        <a:srgbClr val="002060"/>
-                                      </a:solidFill>
-                                      <a:latin typeface="Cambria Math" panose="02040503050406030204" pitchFamily="18" charset="0"/>
-                                      <a:cs typeface="Times New Roman" panose="02020603050405020304" pitchFamily="18" charset="0"/>
-                                    </a:rPr>
-                                  </m:ctrlPr>
-                                </m:accPr>
-                                <m:e>
-                                  <m:r>
-                                    <a:rPr lang="en-US" i="1">
-                                      <a:solidFill>
-                                        <a:srgbClr val="002060"/>
-                                      </a:solidFill>
-                                      <a:latin typeface="Cambria Math" panose="02040503050406030204" pitchFamily="18" charset="0"/>
-                                      <a:cs typeface="Times New Roman" panose="02020603050405020304" pitchFamily="18" charset="0"/>
-                                    </a:rPr>
-                                    <m:t>𝑦</m:t>
-                                  </m:r>
-                                </m:e>
-                              </m:acc>
-                            </m:e>
-                          </m:d>
-                          <m:r>
-                            <a:rPr lang="en-US" i="1">
-                              <a:solidFill>
-                                <a:srgbClr val="002060"/>
-                              </a:solidFill>
-                              <a:latin typeface="Cambria Math" panose="02040503050406030204" pitchFamily="18" charset="0"/>
-                              <a:ea typeface="Cambria Math" panose="02040503050406030204" pitchFamily="18" charset="0"/>
-                              <a:cs typeface="Times New Roman" panose="02020603050405020304" pitchFamily="18" charset="0"/>
-                            </a:rPr>
-                            <m:t>&lt;</m:t>
-                          </m:r>
-                          <m:r>
-                            <a:rPr lang="en-US" i="1">
-                              <a:solidFill>
-                                <a:srgbClr val="002060"/>
-                              </a:solidFill>
-                              <a:latin typeface="Cambria Math" panose="02040503050406030204" pitchFamily="18" charset="0"/>
-                              <a:cs typeface="Times New Roman" panose="02020603050405020304" pitchFamily="18" charset="0"/>
-                            </a:rPr>
-                            <m:t>𝑣</m:t>
-                          </m:r>
-                          <m:r>
-                            <a:rPr lang="en-US" i="1">
-                              <a:solidFill>
-                                <a:srgbClr val="002060"/>
-                              </a:solidFill>
-                              <a:latin typeface="Cambria Math" panose="02040503050406030204" pitchFamily="18" charset="0"/>
-                              <a:ea typeface="Cambria Math" panose="02040503050406030204" pitchFamily="18" charset="0"/>
-                              <a:cs typeface="Times New Roman" panose="02020603050405020304" pitchFamily="18" charset="0"/>
-                            </a:rPr>
-                            <m:t>→</m:t>
-                          </m:r>
-                          <m:acc>
-                            <m:accPr>
-                              <m:chr m:val="̂"/>
-                              <m:ctrlPr>
-                                <a:rPr lang="en-US" i="1">
-                                  <a:solidFill>
-                                    <a:srgbClr val="002060"/>
-                                  </a:solidFill>
-                                  <a:latin typeface="Cambria Math" panose="02040503050406030204" pitchFamily="18" charset="0"/>
-                                  <a:cs typeface="Times New Roman" panose="02020603050405020304" pitchFamily="18" charset="0"/>
-                                </a:rPr>
-                              </m:ctrlPr>
-                            </m:accPr>
-                            <m:e>
-                              <m:r>
-                                <m:rPr>
-                                  <m:sty m:val="p"/>
-                                </m:rPr>
-                                <a:rPr lang="en-US" altLang="zh-CN" i="1">
-                                  <a:solidFill>
-                                    <a:srgbClr val="002060"/>
-                                  </a:solidFill>
-                                  <a:latin typeface="Cambria Math" panose="02040503050406030204" pitchFamily="18" charset="0"/>
-                                  <a:cs typeface="Times New Roman" panose="02020603050405020304" pitchFamily="18" charset="0"/>
-                                </a:rPr>
-                                <m:t>y</m:t>
-                              </m:r>
-                            </m:e>
-                          </m:acc>
-                          <m:r>
-                            <a:rPr lang="en-US" i="1">
-                              <a:solidFill>
-                                <a:srgbClr val="002060"/>
-                              </a:solidFill>
-                              <a:latin typeface="Cambria Math" panose="02040503050406030204" pitchFamily="18" charset="0"/>
-                              <a:cs typeface="Times New Roman" panose="02020603050405020304" pitchFamily="18" charset="0"/>
-                            </a:rPr>
-                            <m:t>=</m:t>
-                          </m:r>
-                          <m:d>
-                            <m:dPr>
-                              <m:begChr m:val="⌈"/>
-                              <m:endChr m:val="⌉"/>
-                              <m:ctrlPr>
-                                <a:rPr lang="en-US" i="1">
-                                  <a:solidFill>
-                                    <a:srgbClr val="002060"/>
-                                  </a:solidFill>
-                                  <a:latin typeface="Cambria Math" panose="02040503050406030204" pitchFamily="18" charset="0"/>
-                                  <a:cs typeface="Times New Roman" panose="02020603050405020304" pitchFamily="18" charset="0"/>
-                                </a:rPr>
-                              </m:ctrlPr>
-                            </m:dPr>
-                            <m:e>
-                              <m:acc>
-                                <m:accPr>
-                                  <m:chr m:val="̅"/>
-                                  <m:ctrlPr>
-                                    <a:rPr lang="en-US" i="1">
-                                      <a:solidFill>
-                                        <a:srgbClr val="002060"/>
-                                      </a:solidFill>
-                                      <a:latin typeface="Cambria Math" panose="02040503050406030204" pitchFamily="18" charset="0"/>
-                                      <a:cs typeface="Times New Roman" panose="02020603050405020304" pitchFamily="18" charset="0"/>
-                                    </a:rPr>
-                                  </m:ctrlPr>
-                                </m:accPr>
-                                <m:e>
-                                  <m:r>
-                                    <a:rPr lang="en-US" i="1">
-                                      <a:solidFill>
-                                        <a:srgbClr val="002060"/>
-                                      </a:solidFill>
-                                      <a:latin typeface="Cambria Math" panose="02040503050406030204" pitchFamily="18" charset="0"/>
-                                      <a:cs typeface="Times New Roman" panose="02020603050405020304" pitchFamily="18" charset="0"/>
-                                    </a:rPr>
-                                    <m:t>𝑦</m:t>
-                                  </m:r>
-                                </m:e>
-                              </m:acc>
-                            </m:e>
-                          </m:d>
-                        </m:oMath>
+                        <m:oMathPara xmlns:m="http://schemas.openxmlformats.org/officeDocument/2006/math">
+                          <m:oMathParaPr>
+                            <m:jc m:val="centerGroup"/>
+                          </m:oMathParaPr>
+                          <m:oMath xmlns:m="http://schemas.openxmlformats.org/officeDocument/2006/math">
+                            <m:acc>
+                              <m:accPr>
+                                <m:chr m:val="̅"/>
+                                <m:ctrlPr>
+                                  <a:rPr lang="en-US" i="1">
+                                    <a:solidFill>
+                                      <a:srgbClr val="002060"/>
+                                    </a:solidFill>
+                                    <a:latin typeface="Cambria Math" panose="02040503050406030204" pitchFamily="18" charset="0"/>
+                                    <a:cs typeface="Times New Roman" panose="02020603050405020304" pitchFamily="18" charset="0"/>
+                                  </a:rPr>
+                                </m:ctrlPr>
+                              </m:accPr>
+                              <m:e>
+                                <m:r>
+                                  <a:rPr lang="en-US" i="1">
+                                    <a:solidFill>
+                                      <a:srgbClr val="002060"/>
+                                    </a:solidFill>
+                                    <a:latin typeface="Cambria Math" panose="02040503050406030204" pitchFamily="18" charset="0"/>
+                                    <a:cs typeface="Times New Roman" panose="02020603050405020304" pitchFamily="18" charset="0"/>
+                                  </a:rPr>
+                                  <m:t>𝑦</m:t>
+                                </m:r>
+                              </m:e>
+                            </m:acc>
+                            <m:r>
+                              <a:rPr lang="en-US">
+                                <a:solidFill>
+                                  <a:srgbClr val="002060"/>
+                                </a:solidFill>
+                                <a:latin typeface="Cambria Math" panose="02040503050406030204" pitchFamily="18" charset="0"/>
+                                <a:cs typeface="Times New Roman" panose="02020603050405020304" pitchFamily="18" charset="0"/>
+                              </a:rPr>
+                              <m:t>−</m:t>
+                            </m:r>
+                            <m:d>
+                              <m:dPr>
+                                <m:begChr m:val="⌊"/>
+                                <m:endChr m:val="⌋"/>
+                                <m:ctrlPr>
+                                  <a:rPr lang="en-US" i="1">
+                                    <a:solidFill>
+                                      <a:srgbClr val="002060"/>
+                                    </a:solidFill>
+                                    <a:latin typeface="Cambria Math" panose="02040503050406030204" pitchFamily="18" charset="0"/>
+                                    <a:cs typeface="Times New Roman" panose="02020603050405020304" pitchFamily="18" charset="0"/>
+                                  </a:rPr>
+                                </m:ctrlPr>
+                              </m:dPr>
+                              <m:e>
+                                <m:acc>
+                                  <m:accPr>
+                                    <m:chr m:val="̅"/>
+                                    <m:ctrlPr>
+                                      <a:rPr lang="en-US" i="1">
+                                        <a:solidFill>
+                                          <a:srgbClr val="002060"/>
+                                        </a:solidFill>
+                                        <a:latin typeface="Cambria Math" panose="02040503050406030204" pitchFamily="18" charset="0"/>
+                                        <a:cs typeface="Times New Roman" panose="02020603050405020304" pitchFamily="18" charset="0"/>
+                                      </a:rPr>
+                                    </m:ctrlPr>
+                                  </m:accPr>
+                                  <m:e>
+                                    <m:r>
+                                      <a:rPr lang="en-US" i="1">
+                                        <a:solidFill>
+                                          <a:srgbClr val="002060"/>
+                                        </a:solidFill>
+                                        <a:latin typeface="Cambria Math" panose="02040503050406030204" pitchFamily="18" charset="0"/>
+                                        <a:cs typeface="Times New Roman" panose="02020603050405020304" pitchFamily="18" charset="0"/>
+                                      </a:rPr>
+                                      <m:t>𝑦</m:t>
+                                    </m:r>
+                                  </m:e>
+                                </m:acc>
+                              </m:e>
+                            </m:d>
+                            <m:r>
+                              <a:rPr lang="en-US" i="1">
+                                <a:solidFill>
+                                  <a:srgbClr val="002060"/>
+                                </a:solidFill>
+                                <a:latin typeface="Cambria Math" panose="02040503050406030204" pitchFamily="18" charset="0"/>
+                                <a:ea typeface="Cambria Math" panose="02040503050406030204" pitchFamily="18" charset="0"/>
+                                <a:cs typeface="Times New Roman" panose="02020603050405020304" pitchFamily="18" charset="0"/>
+                              </a:rPr>
+                              <m:t>&lt;</m:t>
+                            </m:r>
+                            <m:r>
+                              <a:rPr lang="en-US" i="1">
+                                <a:solidFill>
+                                  <a:srgbClr val="002060"/>
+                                </a:solidFill>
+                                <a:latin typeface="Cambria Math" panose="02040503050406030204" pitchFamily="18" charset="0"/>
+                                <a:cs typeface="Times New Roman" panose="02020603050405020304" pitchFamily="18" charset="0"/>
+                              </a:rPr>
+                              <m:t>𝑣</m:t>
+                            </m:r>
+                            <m:r>
+                              <a:rPr lang="en-US" i="1">
+                                <a:solidFill>
+                                  <a:srgbClr val="002060"/>
+                                </a:solidFill>
+                                <a:latin typeface="Cambria Math" panose="02040503050406030204" pitchFamily="18" charset="0"/>
+                                <a:ea typeface="Cambria Math" panose="02040503050406030204" pitchFamily="18" charset="0"/>
+                                <a:cs typeface="Times New Roman" panose="02020603050405020304" pitchFamily="18" charset="0"/>
+                              </a:rPr>
+                              <m:t>→</m:t>
+                            </m:r>
+                            <m:acc>
+                              <m:accPr>
+                                <m:chr m:val="̂"/>
+                                <m:ctrlPr>
+                                  <a:rPr lang="en-US" i="1">
+                                    <a:solidFill>
+                                      <a:srgbClr val="002060"/>
+                                    </a:solidFill>
+                                    <a:latin typeface="Cambria Math" panose="02040503050406030204" pitchFamily="18" charset="0"/>
+                                    <a:cs typeface="Times New Roman" panose="02020603050405020304" pitchFamily="18" charset="0"/>
+                                  </a:rPr>
+                                </m:ctrlPr>
+                              </m:accPr>
+                              <m:e>
+                                <m:r>
+                                  <m:rPr>
+                                    <m:sty m:val="p"/>
+                                  </m:rPr>
+                                  <a:rPr lang="en-US" altLang="zh-CN" i="1">
+                                    <a:solidFill>
+                                      <a:srgbClr val="002060"/>
+                                    </a:solidFill>
+                                    <a:latin typeface="Cambria Math" panose="02040503050406030204" pitchFamily="18" charset="0"/>
+                                    <a:cs typeface="Times New Roman" panose="02020603050405020304" pitchFamily="18" charset="0"/>
+                                  </a:rPr>
+                                  <m:t>y</m:t>
+                                </m:r>
+                              </m:e>
+                            </m:acc>
+                            <m:r>
+                              <a:rPr lang="en-US" i="1">
+                                <a:solidFill>
+                                  <a:srgbClr val="002060"/>
+                                </a:solidFill>
+                                <a:latin typeface="Cambria Math" panose="02040503050406030204" pitchFamily="18" charset="0"/>
+                                <a:cs typeface="Times New Roman" panose="02020603050405020304" pitchFamily="18" charset="0"/>
+                              </a:rPr>
+                              <m:t>=</m:t>
+                            </m:r>
+                            <m:d>
+                              <m:dPr>
+                                <m:begChr m:val="⌊"/>
+                                <m:endChr m:val="⌋"/>
+                                <m:ctrlPr>
+                                  <a:rPr lang="en-US" i="1">
+                                    <a:solidFill>
+                                      <a:srgbClr val="002060"/>
+                                    </a:solidFill>
+                                    <a:latin typeface="Cambria Math" panose="02040503050406030204" pitchFamily="18" charset="0"/>
+                                    <a:cs typeface="Times New Roman" panose="02020603050405020304" pitchFamily="18" charset="0"/>
+                                  </a:rPr>
+                                </m:ctrlPr>
+                              </m:dPr>
+                              <m:e>
+                                <m:acc>
+                                  <m:accPr>
+                                    <m:chr m:val="̅"/>
+                                    <m:ctrlPr>
+                                      <a:rPr lang="en-US" i="1">
+                                        <a:solidFill>
+                                          <a:srgbClr val="002060"/>
+                                        </a:solidFill>
+                                        <a:latin typeface="Cambria Math" panose="02040503050406030204" pitchFamily="18" charset="0"/>
+                                        <a:cs typeface="Times New Roman" panose="02020603050405020304" pitchFamily="18" charset="0"/>
+                                      </a:rPr>
+                                    </m:ctrlPr>
+                                  </m:accPr>
+                                  <m:e>
+                                    <m:r>
+                                      <a:rPr lang="en-US" i="1">
+                                        <a:solidFill>
+                                          <a:srgbClr val="002060"/>
+                                        </a:solidFill>
+                                        <a:latin typeface="Cambria Math" panose="02040503050406030204" pitchFamily="18" charset="0"/>
+                                        <a:cs typeface="Times New Roman" panose="02020603050405020304" pitchFamily="18" charset="0"/>
+                                      </a:rPr>
+                                      <m:t>𝑦</m:t>
+                                    </m:r>
+                                  </m:e>
+                                </m:acc>
+                              </m:e>
+                            </m:d>
+                            <m:r>
+                              <a:rPr lang="en-US" b="0" i="1" smtClean="0">
+                                <a:solidFill>
+                                  <a:srgbClr val="002060"/>
+                                </a:solidFill>
+                                <a:latin typeface="Cambria Math" panose="02040503050406030204" pitchFamily="18" charset="0"/>
+                                <a:cs typeface="Times New Roman" panose="02020603050405020304" pitchFamily="18" charset="0"/>
+                              </a:rPr>
+                              <m:t>=3</m:t>
+                            </m:r>
+                          </m:oMath>
+                        </m:oMathPara>
                       </a14:m>
-                      <a:r>
-                        <a:rPr lang="en-US" dirty="0">
-                          <a:solidFill>
-                            <a:srgbClr val="002060"/>
-                          </a:solidFill>
-                          <a:latin typeface="Cambria Math" panose="02040503050406030204" pitchFamily="18" charset="0"/>
-                          <a:cs typeface="Times New Roman" panose="02020603050405020304" pitchFamily="18" charset="0"/>
-                        </a:rPr>
-                        <a:t> </a:t>
-                      </a:r>
+                      <a:endParaRPr lang="en-US" dirty="0">
+                        <a:solidFill>
+                          <a:srgbClr val="002060"/>
+                        </a:solidFill>
+                        <a:latin typeface="Cambria Math" panose="02040503050406030204" pitchFamily="18" charset="0"/>
+                        <a:cs typeface="Times New Roman" panose="02020603050405020304" pitchFamily="18" charset="0"/>
+                      </a:endParaRPr>
                     </a:p>
                   </p:txBody>
                 </p:sp>
@@ -12932,7 +12841,7 @@
                   <p:spPr>
                     <a:xfrm>
                       <a:off x="4697087" y="4622294"/>
-                      <a:ext cx="2478692" cy="965008"/>
+                      <a:ext cx="2839625" cy="965008"/>
                     </a:xfrm>
                     <a:prstGeom prst="rect">
                       <a:avLst/>
@@ -12940,7 +12849,7 @@
                     <a:blipFill>
                       <a:blip r:embed="rId9"/>
                       <a:stretch>
-                        <a:fillRect l="-1966" t="-3145" r="-1229" b="-2516"/>
+                        <a:fillRect l="-1717" t="-3145" b="-2516"/>
                       </a:stretch>
                     </a:blipFill>
                   </p:spPr>
@@ -13057,8 +12966,8 @@
             </a:fontRef>
           </p:style>
         </p:cxnSp>
-        <mc:AlternateContent xmlns:mc="http://schemas.openxmlformats.org/markup-compatibility/2006">
-          <mc:Choice xmlns:a14="http://schemas.microsoft.com/office/drawing/2010/main" Requires="a14">
+        <mc:AlternateContent xmlns:mc="http://schemas.openxmlformats.org/markup-compatibility/2006" xmlns:a14="http://schemas.microsoft.com/office/drawing/2010/main">
+          <mc:Choice Requires="a14">
             <p:sp>
               <p:nvSpPr>
                 <p:cNvPr id="84" name="TextBox 83">
@@ -13255,7 +13164,7 @@
               </p:txBody>
             </p:sp>
           </mc:Choice>
-          <mc:Fallback>
+          <mc:Fallback xmlns="">
             <p:sp>
               <p:nvSpPr>
                 <p:cNvPr id="84" name="TextBox 83">
